--- a/flusso_prova.pptx
+++ b/flusso_prova.pptx
@@ -104,6 +104,11 @@
       </a:defRPr>
     </a:lvl9pPr>
   </p:defaultTextStyle>
+  <p:extLst>
+    <p:ext uri="{EFAFB233-063F-42B5-8137-9DF3F51BA10A}">
+      <p15:sldGuideLst xmlns:p15="http://schemas.microsoft.com/office/powerpoint/2012/main"/>
+    </p:ext>
+  </p:extLst>
 </p:presentation>
 </file>
 
@@ -254,7 +259,7 @@
           <a:p>
             <a:fld id="{52D6866E-FFFD-494B-B057-7A4162712FFA}" type="datetimeFigureOut">
               <a:rPr lang="it-IT" smtClean="0"/>
-              <a:t>22/05/2023</a:t>
+              <a:t>23/05/2023</a:t>
             </a:fld>
             <a:endParaRPr lang="it-IT"/>
           </a:p>
@@ -452,7 +457,7 @@
           <a:p>
             <a:fld id="{52D6866E-FFFD-494B-B057-7A4162712FFA}" type="datetimeFigureOut">
               <a:rPr lang="it-IT" smtClean="0"/>
-              <a:t>22/05/2023</a:t>
+              <a:t>23/05/2023</a:t>
             </a:fld>
             <a:endParaRPr lang="it-IT"/>
           </a:p>
@@ -660,7 +665,7 @@
           <a:p>
             <a:fld id="{52D6866E-FFFD-494B-B057-7A4162712FFA}" type="datetimeFigureOut">
               <a:rPr lang="it-IT" smtClean="0"/>
-              <a:t>22/05/2023</a:t>
+              <a:t>23/05/2023</a:t>
             </a:fld>
             <a:endParaRPr lang="it-IT"/>
           </a:p>
@@ -858,7 +863,7 @@
           <a:p>
             <a:fld id="{52D6866E-FFFD-494B-B057-7A4162712FFA}" type="datetimeFigureOut">
               <a:rPr lang="it-IT" smtClean="0"/>
-              <a:t>22/05/2023</a:t>
+              <a:t>23/05/2023</a:t>
             </a:fld>
             <a:endParaRPr lang="it-IT"/>
           </a:p>
@@ -1133,7 +1138,7 @@
           <a:p>
             <a:fld id="{52D6866E-FFFD-494B-B057-7A4162712FFA}" type="datetimeFigureOut">
               <a:rPr lang="it-IT" smtClean="0"/>
-              <a:t>22/05/2023</a:t>
+              <a:t>23/05/2023</a:t>
             </a:fld>
             <a:endParaRPr lang="it-IT"/>
           </a:p>
@@ -1398,7 +1403,7 @@
           <a:p>
             <a:fld id="{52D6866E-FFFD-494B-B057-7A4162712FFA}" type="datetimeFigureOut">
               <a:rPr lang="it-IT" smtClean="0"/>
-              <a:t>22/05/2023</a:t>
+              <a:t>23/05/2023</a:t>
             </a:fld>
             <a:endParaRPr lang="it-IT"/>
           </a:p>
@@ -1810,7 +1815,7 @@
           <a:p>
             <a:fld id="{52D6866E-FFFD-494B-B057-7A4162712FFA}" type="datetimeFigureOut">
               <a:rPr lang="it-IT" smtClean="0"/>
-              <a:t>22/05/2023</a:t>
+              <a:t>23/05/2023</a:t>
             </a:fld>
             <a:endParaRPr lang="it-IT"/>
           </a:p>
@@ -1951,7 +1956,7 @@
           <a:p>
             <a:fld id="{52D6866E-FFFD-494B-B057-7A4162712FFA}" type="datetimeFigureOut">
               <a:rPr lang="it-IT" smtClean="0"/>
-              <a:t>22/05/2023</a:t>
+              <a:t>23/05/2023</a:t>
             </a:fld>
             <a:endParaRPr lang="it-IT"/>
           </a:p>
@@ -2064,7 +2069,7 @@
           <a:p>
             <a:fld id="{52D6866E-FFFD-494B-B057-7A4162712FFA}" type="datetimeFigureOut">
               <a:rPr lang="it-IT" smtClean="0"/>
-              <a:t>22/05/2023</a:t>
+              <a:t>23/05/2023</a:t>
             </a:fld>
             <a:endParaRPr lang="it-IT"/>
           </a:p>
@@ -2375,7 +2380,7 @@
           <a:p>
             <a:fld id="{52D6866E-FFFD-494B-B057-7A4162712FFA}" type="datetimeFigureOut">
               <a:rPr lang="it-IT" smtClean="0"/>
-              <a:t>22/05/2023</a:t>
+              <a:t>23/05/2023</a:t>
             </a:fld>
             <a:endParaRPr lang="it-IT"/>
           </a:p>
@@ -2663,7 +2668,7 @@
           <a:p>
             <a:fld id="{52D6866E-FFFD-494B-B057-7A4162712FFA}" type="datetimeFigureOut">
               <a:rPr lang="it-IT" smtClean="0"/>
-              <a:t>22/05/2023</a:t>
+              <a:t>23/05/2023</a:t>
             </a:fld>
             <a:endParaRPr lang="it-IT"/>
           </a:p>
@@ -2904,7 +2909,7 @@
           <a:p>
             <a:fld id="{52D6866E-FFFD-494B-B057-7A4162712FFA}" type="datetimeFigureOut">
               <a:rPr lang="it-IT" smtClean="0"/>
-              <a:t>22/05/2023</a:t>
+              <a:t>23/05/2023</a:t>
             </a:fld>
             <a:endParaRPr lang="it-IT"/>
           </a:p>
@@ -3478,7 +3483,7 @@
                   <a:schemeClr val="tx1"/>
                 </a:solidFill>
               </a:rPr>
-              <a:t>Domanda</a:t>
+              <a:t>Cosa fare</a:t>
             </a:r>
           </a:p>
         </p:txBody>
@@ -3586,8 +3591,8 @@
         </p:nvCxnSpPr>
         <p:spPr>
           <a:xfrm flipH="1">
-            <a:off x="1171852" y="2334820"/>
-            <a:ext cx="4441058" cy="13324"/>
+            <a:off x="1808830" y="2334820"/>
+            <a:ext cx="3804080" cy="13324"/>
           </a:xfrm>
           <a:prstGeom prst="line">
             <a:avLst/>
@@ -3718,20 +3723,22 @@
       </p:sp>
       <p:cxnSp>
         <p:nvCxnSpPr>
-          <p:cNvPr id="22" name="Connettore 2 21">
-            <a:extLst>
-              <a:ext uri="{FF2B5EF4-FFF2-40B4-BE49-F238E27FC236}">
-                <a16:creationId xmlns:a16="http://schemas.microsoft.com/office/drawing/2014/main" id="{5A2B5129-74FD-43B4-9348-50C29787E059}"/>
-              </a:ext>
-            </a:extLst>
-          </p:cNvPr>
-          <p:cNvCxnSpPr/>
+          <p:cNvPr id="24" name="Connettore 2 23">
+            <a:extLst>
+              <a:ext uri="{FF2B5EF4-FFF2-40B4-BE49-F238E27FC236}">
+                <a16:creationId xmlns:a16="http://schemas.microsoft.com/office/drawing/2014/main" id="{FCAAE016-7038-4091-82BD-6DBF6ED16933}"/>
+              </a:ext>
+            </a:extLst>
+          </p:cNvPr>
+          <p:cNvCxnSpPr>
+            <a:cxnSpLocks/>
+          </p:cNvCxnSpPr>
           <p:nvPr/>
         </p:nvCxnSpPr>
         <p:spPr>
           <a:xfrm>
-            <a:off x="8635014" y="2348144"/>
-            <a:ext cx="13316" cy="559293"/>
+            <a:off x="5619565" y="2321497"/>
+            <a:ext cx="6658" cy="279647"/>
           </a:xfrm>
           <a:prstGeom prst="straightConnector1">
             <a:avLst/>
@@ -3760,10 +3767,10 @@
       </p:cxnSp>
       <p:cxnSp>
         <p:nvCxnSpPr>
-          <p:cNvPr id="23" name="Connettore 2 22">
-            <a:extLst>
-              <a:ext uri="{FF2B5EF4-FFF2-40B4-BE49-F238E27FC236}">
-                <a16:creationId xmlns:a16="http://schemas.microsoft.com/office/drawing/2014/main" id="{B272B67D-3160-4B0D-9827-35032E78F023}"/>
+          <p:cNvPr id="25" name="Connettore 2 24">
+            <a:extLst>
+              <a:ext uri="{FF2B5EF4-FFF2-40B4-BE49-F238E27FC236}">
+                <a16:creationId xmlns:a16="http://schemas.microsoft.com/office/drawing/2014/main" id="{11858274-CA15-4434-A3E2-80E74CA03EF4}"/>
               </a:ext>
             </a:extLst>
           </p:cNvPr>
@@ -3772,7 +3779,7 @@
         </p:nvCxnSpPr>
         <p:spPr>
           <a:xfrm>
-            <a:off x="5909210" y="2334820"/>
+            <a:off x="1808830" y="2341482"/>
             <a:ext cx="13316" cy="559293"/>
           </a:xfrm>
           <a:prstGeom prst="straightConnector1">
@@ -3800,90 +3807,6 @@
           </a:fontRef>
         </p:style>
       </p:cxnSp>
-      <p:cxnSp>
-        <p:nvCxnSpPr>
-          <p:cNvPr id="24" name="Connettore 2 23">
-            <a:extLst>
-              <a:ext uri="{FF2B5EF4-FFF2-40B4-BE49-F238E27FC236}">
-                <a16:creationId xmlns:a16="http://schemas.microsoft.com/office/drawing/2014/main" id="{FCAAE016-7038-4091-82BD-6DBF6ED16933}"/>
-              </a:ext>
-            </a:extLst>
-          </p:cNvPr>
-          <p:cNvCxnSpPr/>
-          <p:nvPr/>
-        </p:nvCxnSpPr>
-        <p:spPr>
-          <a:xfrm>
-            <a:off x="3589915" y="2341482"/>
-            <a:ext cx="13316" cy="559293"/>
-          </a:xfrm>
-          <a:prstGeom prst="straightConnector1">
-            <a:avLst/>
-          </a:prstGeom>
-          <a:ln w="19050">
-            <a:solidFill>
-              <a:schemeClr val="tx1"/>
-            </a:solidFill>
-            <a:tailEnd type="triangle"/>
-          </a:ln>
-        </p:spPr>
-        <p:style>
-          <a:lnRef idx="1">
-            <a:schemeClr val="accent1"/>
-          </a:lnRef>
-          <a:fillRef idx="0">
-            <a:schemeClr val="accent1"/>
-          </a:fillRef>
-          <a:effectRef idx="0">
-            <a:schemeClr val="accent1"/>
-          </a:effectRef>
-          <a:fontRef idx="minor">
-            <a:schemeClr val="tx1"/>
-          </a:fontRef>
-        </p:style>
-      </p:cxnSp>
-      <p:cxnSp>
-        <p:nvCxnSpPr>
-          <p:cNvPr id="25" name="Connettore 2 24">
-            <a:extLst>
-              <a:ext uri="{FF2B5EF4-FFF2-40B4-BE49-F238E27FC236}">
-                <a16:creationId xmlns:a16="http://schemas.microsoft.com/office/drawing/2014/main" id="{11858274-CA15-4434-A3E2-80E74CA03EF4}"/>
-              </a:ext>
-            </a:extLst>
-          </p:cNvPr>
-          <p:cNvCxnSpPr/>
-          <p:nvPr/>
-        </p:nvCxnSpPr>
-        <p:spPr>
-          <a:xfrm>
-            <a:off x="1187393" y="2360342"/>
-            <a:ext cx="13316" cy="559293"/>
-          </a:xfrm>
-          <a:prstGeom prst="straightConnector1">
-            <a:avLst/>
-          </a:prstGeom>
-          <a:ln w="19050">
-            <a:solidFill>
-              <a:schemeClr val="tx1"/>
-            </a:solidFill>
-            <a:tailEnd type="triangle"/>
-          </a:ln>
-        </p:spPr>
-        <p:style>
-          <a:lnRef idx="1">
-            <a:schemeClr val="accent1"/>
-          </a:lnRef>
-          <a:fillRef idx="0">
-            <a:schemeClr val="accent1"/>
-          </a:fillRef>
-          <a:effectRef idx="0">
-            <a:schemeClr val="accent1"/>
-          </a:effectRef>
-          <a:fontRef idx="minor">
-            <a:schemeClr val="tx1"/>
-          </a:fontRef>
-        </p:style>
-      </p:cxnSp>
       <p:sp>
         <p:nvSpPr>
           <p:cNvPr id="26" name="Rettangolo 25">
@@ -3898,7 +3821,7 @@
         </p:nvSpPr>
         <p:spPr>
           <a:xfrm>
-            <a:off x="423913" y="3009529"/>
+            <a:off x="947696" y="3009529"/>
             <a:ext cx="1553592" cy="417251"/>
           </a:xfrm>
           <a:prstGeom prst="rect">
@@ -3933,87 +3856,12 @@
           <a:p>
             <a:pPr algn="ctr"/>
             <a:r>
-              <a:rPr lang="it-IT" dirty="0" err="1">
-                <a:solidFill>
-                  <a:schemeClr val="tx1"/>
-                </a:solidFill>
-              </a:rPr>
-              <a:t>Risp</a:t>
-            </a:r>
-            <a:r>
               <a:rPr lang="it-IT" dirty="0">
                 <a:solidFill>
                   <a:schemeClr val="tx1"/>
                 </a:solidFill>
               </a:rPr>
-              <a:t> 1</a:t>
-            </a:r>
-          </a:p>
-        </p:txBody>
-      </p:sp>
-      <p:sp>
-        <p:nvSpPr>
-          <p:cNvPr id="27" name="Rettangolo 26">
-            <a:extLst>
-              <a:ext uri="{FF2B5EF4-FFF2-40B4-BE49-F238E27FC236}">
-                <a16:creationId xmlns:a16="http://schemas.microsoft.com/office/drawing/2014/main" id="{504EEC91-784F-406A-9E50-4CB9846F5AC3}"/>
-              </a:ext>
-            </a:extLst>
-          </p:cNvPr>
-          <p:cNvSpPr/>
-          <p:nvPr/>
-        </p:nvSpPr>
-        <p:spPr>
-          <a:xfrm>
-            <a:off x="5139068" y="2911868"/>
-            <a:ext cx="1553592" cy="417251"/>
-          </a:xfrm>
-          <a:prstGeom prst="rect">
-            <a:avLst/>
-          </a:prstGeom>
-          <a:noFill/>
-          <a:ln>
-            <a:solidFill>
-              <a:schemeClr val="tx1"/>
-            </a:solidFill>
-          </a:ln>
-        </p:spPr>
-        <p:style>
-          <a:lnRef idx="2">
-            <a:schemeClr val="accent1">
-              <a:shade val="50000"/>
-            </a:schemeClr>
-          </a:lnRef>
-          <a:fillRef idx="1">
-            <a:schemeClr val="accent1"/>
-          </a:fillRef>
-          <a:effectRef idx="0">
-            <a:schemeClr val="accent1"/>
-          </a:effectRef>
-          <a:fontRef idx="minor">
-            <a:schemeClr val="lt1"/>
-          </a:fontRef>
-        </p:style>
-        <p:txBody>
-          <a:bodyPr rtlCol="0" anchor="ctr"/>
-          <a:lstStyle/>
-          <a:p>
-            <a:pPr algn="ctr"/>
-            <a:r>
-              <a:rPr lang="it-IT" dirty="0" err="1">
-                <a:solidFill>
-                  <a:schemeClr val="tx1"/>
-                </a:solidFill>
-              </a:rPr>
-              <a:t>Risp</a:t>
-            </a:r>
-            <a:r>
-              <a:rPr lang="it-IT" dirty="0">
-                <a:solidFill>
-                  <a:schemeClr val="tx1"/>
-                </a:solidFill>
-              </a:rPr>
-              <a:t> 3</a:t>
+              <a:t>Registra (2)</a:t>
             </a:r>
           </a:p>
         </p:txBody>
@@ -4069,20 +3917,12 @@
           <a:p>
             <a:pPr algn="ctr"/>
             <a:r>
-              <a:rPr lang="it-IT" dirty="0" err="1">
-                <a:solidFill>
-                  <a:schemeClr val="tx1"/>
-                </a:solidFill>
-              </a:rPr>
-              <a:t>Risp</a:t>
-            </a:r>
-            <a:r>
               <a:rPr lang="it-IT" dirty="0">
                 <a:solidFill>
                   <a:schemeClr val="tx1"/>
                 </a:solidFill>
               </a:rPr>
-              <a:t> 5</a:t>
+              <a:t>exit (3)</a:t>
             </a:r>
           </a:p>
         </p:txBody>
@@ -4101,7 +3941,7 @@
         </p:nvSpPr>
         <p:spPr>
           <a:xfrm>
-            <a:off x="2826435" y="3002129"/>
+            <a:off x="4914164" y="2636660"/>
             <a:ext cx="1553592" cy="417251"/>
           </a:xfrm>
           <a:prstGeom prst="rect">
@@ -4136,87 +3976,12 @@
           <a:p>
             <a:pPr algn="ctr"/>
             <a:r>
-              <a:rPr lang="it-IT" dirty="0" err="1">
-                <a:solidFill>
-                  <a:schemeClr val="tx1"/>
-                </a:solidFill>
-              </a:rPr>
-              <a:t>Risp</a:t>
-            </a:r>
-            <a:r>
               <a:rPr lang="it-IT" dirty="0">
                 <a:solidFill>
                   <a:schemeClr val="tx1"/>
                 </a:solidFill>
               </a:rPr>
-              <a:t> 2</a:t>
-            </a:r>
-          </a:p>
-        </p:txBody>
-      </p:sp>
-      <p:sp>
-        <p:nvSpPr>
-          <p:cNvPr id="33" name="Rettangolo 32">
-            <a:extLst>
-              <a:ext uri="{FF2B5EF4-FFF2-40B4-BE49-F238E27FC236}">
-                <a16:creationId xmlns:a16="http://schemas.microsoft.com/office/drawing/2014/main" id="{26EA57BE-0809-4B35-8456-B80717CD28ED}"/>
-              </a:ext>
-            </a:extLst>
-          </p:cNvPr>
-          <p:cNvSpPr/>
-          <p:nvPr/>
-        </p:nvSpPr>
-        <p:spPr>
-          <a:xfrm>
-            <a:off x="7927761" y="2941827"/>
-            <a:ext cx="1553592" cy="417251"/>
-          </a:xfrm>
-          <a:prstGeom prst="rect">
-            <a:avLst/>
-          </a:prstGeom>
-          <a:noFill/>
-          <a:ln>
-            <a:solidFill>
-              <a:schemeClr val="tx1"/>
-            </a:solidFill>
-          </a:ln>
-        </p:spPr>
-        <p:style>
-          <a:lnRef idx="2">
-            <a:schemeClr val="accent1">
-              <a:shade val="50000"/>
-            </a:schemeClr>
-          </a:lnRef>
-          <a:fillRef idx="1">
-            <a:schemeClr val="accent1"/>
-          </a:fillRef>
-          <a:effectRef idx="0">
-            <a:schemeClr val="accent1"/>
-          </a:effectRef>
-          <a:fontRef idx="minor">
-            <a:schemeClr val="lt1"/>
-          </a:fontRef>
-        </p:style>
-        <p:txBody>
-          <a:bodyPr rtlCol="0" anchor="ctr"/>
-          <a:lstStyle/>
-          <a:p>
-            <a:pPr algn="ctr"/>
-            <a:r>
-              <a:rPr lang="it-IT" dirty="0" err="1">
-                <a:solidFill>
-                  <a:schemeClr val="tx1"/>
-                </a:solidFill>
-              </a:rPr>
-              <a:t>Risp</a:t>
-            </a:r>
-            <a:r>
-              <a:rPr lang="it-IT" dirty="0">
-                <a:solidFill>
-                  <a:schemeClr val="tx1"/>
-                </a:solidFill>
-              </a:rPr>
-              <a:t> 4</a:t>
+              <a:t>Log in (1)</a:t>
             </a:r>
           </a:p>
         </p:txBody>
@@ -4237,7 +4002,7 @@
         </p:nvCxnSpPr>
         <p:spPr>
           <a:xfrm>
-            <a:off x="1200709" y="3426780"/>
+            <a:off x="1808830" y="3426780"/>
             <a:ext cx="0" cy="497142"/>
           </a:xfrm>
           <a:prstGeom prst="line">
@@ -4275,13 +4040,14 @@
           </p:cNvPr>
           <p:cNvCxnSpPr>
             <a:cxnSpLocks/>
+            <a:stCxn id="32" idx="2"/>
           </p:cNvCxnSpPr>
           <p:nvPr/>
         </p:nvCxnSpPr>
         <p:spPr>
           <a:xfrm>
-            <a:off x="3603231" y="3426780"/>
-            <a:ext cx="0" cy="497142"/>
+            <a:off x="5690960" y="3053911"/>
+            <a:ext cx="9251" cy="772351"/>
           </a:xfrm>
           <a:prstGeom prst="line">
             <a:avLst/>
@@ -4307,24 +4073,85 @@
           </a:fontRef>
         </p:style>
       </p:cxnSp>
+      <p:sp>
+        <p:nvSpPr>
+          <p:cNvPr id="4" name="Rombo 3">
+            <a:extLst>
+              <a:ext uri="{FF2B5EF4-FFF2-40B4-BE49-F238E27FC236}">
+                <a16:creationId xmlns:a16="http://schemas.microsoft.com/office/drawing/2014/main" id="{65C92BF1-63F2-456C-83AF-9D346F5A2B6B}"/>
+              </a:ext>
+            </a:extLst>
+          </p:cNvPr>
+          <p:cNvSpPr/>
+          <p:nvPr/>
+        </p:nvSpPr>
+        <p:spPr>
+          <a:xfrm>
+            <a:off x="979883" y="3923922"/>
+            <a:ext cx="1684526" cy="1437074"/>
+          </a:xfrm>
+          <a:prstGeom prst="diamond">
+            <a:avLst/>
+          </a:prstGeom>
+          <a:solidFill>
+            <a:schemeClr val="bg1"/>
+          </a:solidFill>
+          <a:ln w="12700">
+            <a:solidFill>
+              <a:schemeClr val="tx1"/>
+            </a:solidFill>
+          </a:ln>
+        </p:spPr>
+        <p:style>
+          <a:lnRef idx="2">
+            <a:schemeClr val="accent1">
+              <a:shade val="50000"/>
+            </a:schemeClr>
+          </a:lnRef>
+          <a:fillRef idx="1">
+            <a:schemeClr val="accent1"/>
+          </a:fillRef>
+          <a:effectRef idx="0">
+            <a:schemeClr val="accent1"/>
+          </a:effectRef>
+          <a:fontRef idx="minor">
+            <a:schemeClr val="lt1"/>
+          </a:fontRef>
+        </p:style>
+        <p:txBody>
+          <a:bodyPr rtlCol="0" anchor="ctr"/>
+          <a:lstStyle/>
+          <a:p>
+            <a:pPr algn="ctr"/>
+            <a:r>
+              <a:rPr lang="it-IT" sz="1400" dirty="0">
+                <a:solidFill>
+                  <a:schemeClr val="tx1"/>
+                </a:solidFill>
+              </a:rPr>
+              <a:t>Inserisci credenziali</a:t>
+            </a:r>
+          </a:p>
+        </p:txBody>
+      </p:sp>
       <p:cxnSp>
         <p:nvCxnSpPr>
-          <p:cNvPr id="36" name="Connettore diritto 35">
-            <a:extLst>
-              <a:ext uri="{FF2B5EF4-FFF2-40B4-BE49-F238E27FC236}">
-                <a16:creationId xmlns:a16="http://schemas.microsoft.com/office/drawing/2014/main" id="{9C0C9AF5-8EB9-4991-9F11-7E3069A8367B}"/>
+          <p:cNvPr id="12" name="Connettore diritto 11">
+            <a:extLst>
+              <a:ext uri="{FF2B5EF4-FFF2-40B4-BE49-F238E27FC236}">
+                <a16:creationId xmlns:a16="http://schemas.microsoft.com/office/drawing/2014/main" id="{FFB2375F-B106-4A2E-8AE0-7FBF54852D41}"/>
               </a:ext>
             </a:extLst>
           </p:cNvPr>
           <p:cNvCxnSpPr>
-            <a:cxnSpLocks/>
+            <a:stCxn id="4" idx="1"/>
           </p:cNvCxnSpPr>
           <p:nvPr/>
         </p:nvCxnSpPr>
         <p:spPr>
-          <a:xfrm>
-            <a:off x="5931780" y="3371304"/>
-            <a:ext cx="0" cy="497142"/>
+          <a:xfrm flipH="1" flipV="1">
+            <a:off x="355107" y="4634144"/>
+            <a:ext cx="624776" cy="8315"/>
           </a:xfrm>
           <a:prstGeom prst="line">
             <a:avLst/>
@@ -4352,10 +4179,10 @@
       </p:cxnSp>
       <p:cxnSp>
         <p:nvCxnSpPr>
-          <p:cNvPr id="37" name="Connettore diritto 36">
-            <a:extLst>
-              <a:ext uri="{FF2B5EF4-FFF2-40B4-BE49-F238E27FC236}">
-                <a16:creationId xmlns:a16="http://schemas.microsoft.com/office/drawing/2014/main" id="{C50261E6-869F-49FE-A53E-DA1B0CC1AE7D}"/>
+          <p:cNvPr id="28" name="Connettore diritto 27">
+            <a:extLst>
+              <a:ext uri="{FF2B5EF4-FFF2-40B4-BE49-F238E27FC236}">
+                <a16:creationId xmlns:a16="http://schemas.microsoft.com/office/drawing/2014/main" id="{420FC621-0C9E-4111-A695-EE6091D3AF6A}"/>
               </a:ext>
             </a:extLst>
           </p:cNvPr>
@@ -4366,8 +4193,8 @@
         </p:nvCxnSpPr>
         <p:spPr>
           <a:xfrm>
-            <a:off x="8689778" y="3371304"/>
-            <a:ext cx="0" cy="497142"/>
+            <a:off x="356587" y="1484966"/>
+            <a:ext cx="0" cy="3157493"/>
           </a:xfrm>
           <a:prstGeom prst="line">
             <a:avLst/>
@@ -4393,6 +4220,466 @@
           </a:fontRef>
         </p:style>
       </p:cxnSp>
+      <p:cxnSp>
+        <p:nvCxnSpPr>
+          <p:cNvPr id="31" name="Connettore diritto 30">
+            <a:extLst>
+              <a:ext uri="{FF2B5EF4-FFF2-40B4-BE49-F238E27FC236}">
+                <a16:creationId xmlns:a16="http://schemas.microsoft.com/office/drawing/2014/main" id="{4D5DD715-5382-470A-B00D-B6421939F3DF}"/>
+              </a:ext>
+            </a:extLst>
+          </p:cNvPr>
+          <p:cNvCxnSpPr>
+            <a:cxnSpLocks/>
+          </p:cNvCxnSpPr>
+          <p:nvPr/>
+        </p:nvCxnSpPr>
+        <p:spPr>
+          <a:xfrm flipH="1">
+            <a:off x="4057095" y="3826262"/>
+            <a:ext cx="3266983" cy="0"/>
+          </a:xfrm>
+          <a:prstGeom prst="line">
+            <a:avLst/>
+          </a:prstGeom>
+          <a:ln w="28575">
+            <a:solidFill>
+              <a:schemeClr val="tx1"/>
+            </a:solidFill>
+          </a:ln>
+        </p:spPr>
+        <p:style>
+          <a:lnRef idx="1">
+            <a:schemeClr val="accent1"/>
+          </a:lnRef>
+          <a:fillRef idx="0">
+            <a:schemeClr val="accent1"/>
+          </a:fillRef>
+          <a:effectRef idx="0">
+            <a:schemeClr val="accent1"/>
+          </a:effectRef>
+          <a:fontRef idx="minor">
+            <a:schemeClr val="tx1"/>
+          </a:fontRef>
+        </p:style>
+      </p:cxnSp>
+      <p:cxnSp>
+        <p:nvCxnSpPr>
+          <p:cNvPr id="20" name="Connettore 2 19">
+            <a:extLst>
+              <a:ext uri="{FF2B5EF4-FFF2-40B4-BE49-F238E27FC236}">
+                <a16:creationId xmlns:a16="http://schemas.microsoft.com/office/drawing/2014/main" id="{A624B00C-A44F-4C06-A810-F89D5B08D01E}"/>
+              </a:ext>
+            </a:extLst>
+          </p:cNvPr>
+          <p:cNvCxnSpPr>
+            <a:cxnSpLocks/>
+          </p:cNvCxnSpPr>
+          <p:nvPr/>
+        </p:nvCxnSpPr>
+        <p:spPr>
+          <a:xfrm>
+            <a:off x="355107" y="1484966"/>
+            <a:ext cx="4429957" cy="0"/>
+          </a:xfrm>
+          <a:prstGeom prst="straightConnector1">
+            <a:avLst/>
+          </a:prstGeom>
+          <a:ln w="28575">
+            <a:solidFill>
+              <a:schemeClr val="tx1"/>
+            </a:solidFill>
+            <a:tailEnd type="triangle"/>
+          </a:ln>
+        </p:spPr>
+        <p:style>
+          <a:lnRef idx="1">
+            <a:schemeClr val="accent1"/>
+          </a:lnRef>
+          <a:fillRef idx="0">
+            <a:schemeClr val="accent1"/>
+          </a:fillRef>
+          <a:effectRef idx="0">
+            <a:schemeClr val="accent1"/>
+          </a:effectRef>
+          <a:fontRef idx="minor">
+            <a:schemeClr val="tx1"/>
+          </a:fontRef>
+        </p:style>
+      </p:cxnSp>
+      <p:sp>
+        <p:nvSpPr>
+          <p:cNvPr id="38" name="Rettangolo 37">
+            <a:extLst>
+              <a:ext uri="{FF2B5EF4-FFF2-40B4-BE49-F238E27FC236}">
+                <a16:creationId xmlns:a16="http://schemas.microsoft.com/office/drawing/2014/main" id="{86A60B7A-9A96-4B64-84F8-AAB354CED3F0}"/>
+              </a:ext>
+            </a:extLst>
+          </p:cNvPr>
+          <p:cNvSpPr/>
+          <p:nvPr/>
+        </p:nvSpPr>
+        <p:spPr>
+          <a:xfrm>
+            <a:off x="4914164" y="3234785"/>
+            <a:ext cx="1553592" cy="417251"/>
+          </a:xfrm>
+          <a:prstGeom prst="rect">
+            <a:avLst/>
+          </a:prstGeom>
+          <a:solidFill>
+            <a:schemeClr val="bg1"/>
+          </a:solidFill>
+          <a:ln>
+            <a:solidFill>
+              <a:schemeClr val="tx1"/>
+            </a:solidFill>
+          </a:ln>
+        </p:spPr>
+        <p:style>
+          <a:lnRef idx="2">
+            <a:schemeClr val="accent1">
+              <a:shade val="50000"/>
+            </a:schemeClr>
+          </a:lnRef>
+          <a:fillRef idx="1">
+            <a:schemeClr val="accent1"/>
+          </a:fillRef>
+          <a:effectRef idx="0">
+            <a:schemeClr val="accent1"/>
+          </a:effectRef>
+          <a:fontRef idx="minor">
+            <a:schemeClr val="lt1"/>
+          </a:fontRef>
+        </p:style>
+        <p:txBody>
+          <a:bodyPr rtlCol="0" anchor="ctr"/>
+          <a:lstStyle/>
+          <a:p>
+            <a:pPr algn="ctr"/>
+            <a:r>
+              <a:rPr lang="it-IT" dirty="0">
+                <a:solidFill>
+                  <a:schemeClr val="tx1"/>
+                </a:solidFill>
+              </a:rPr>
+              <a:t>Cosa fare</a:t>
+            </a:r>
+          </a:p>
+        </p:txBody>
+      </p:sp>
+      <p:cxnSp>
+        <p:nvCxnSpPr>
+          <p:cNvPr id="42" name="Connettore diritto 41">
+            <a:extLst>
+              <a:ext uri="{FF2B5EF4-FFF2-40B4-BE49-F238E27FC236}">
+                <a16:creationId xmlns:a16="http://schemas.microsoft.com/office/drawing/2014/main" id="{CEA36A92-EC0E-41AE-877C-79CA4229608B}"/>
+              </a:ext>
+            </a:extLst>
+          </p:cNvPr>
+          <p:cNvCxnSpPr>
+            <a:cxnSpLocks/>
+          </p:cNvCxnSpPr>
+          <p:nvPr/>
+        </p:nvCxnSpPr>
+        <p:spPr>
+          <a:xfrm>
+            <a:off x="4069672" y="3826262"/>
+            <a:ext cx="0" cy="372876"/>
+          </a:xfrm>
+          <a:prstGeom prst="line">
+            <a:avLst/>
+          </a:prstGeom>
+          <a:ln w="28575">
+            <a:solidFill>
+              <a:schemeClr val="tx1"/>
+            </a:solidFill>
+          </a:ln>
+        </p:spPr>
+        <p:style>
+          <a:lnRef idx="1">
+            <a:schemeClr val="accent1"/>
+          </a:lnRef>
+          <a:fillRef idx="0">
+            <a:schemeClr val="accent1"/>
+          </a:fillRef>
+          <a:effectRef idx="0">
+            <a:schemeClr val="accent1"/>
+          </a:effectRef>
+          <a:fontRef idx="minor">
+            <a:schemeClr val="tx1"/>
+          </a:fontRef>
+        </p:style>
+      </p:cxnSp>
+      <p:cxnSp>
+        <p:nvCxnSpPr>
+          <p:cNvPr id="44" name="Connettore diritto 43">
+            <a:extLst>
+              <a:ext uri="{FF2B5EF4-FFF2-40B4-BE49-F238E27FC236}">
+                <a16:creationId xmlns:a16="http://schemas.microsoft.com/office/drawing/2014/main" id="{EA1A9C8C-CEFC-4C1A-B24E-DA6E106D7A7C}"/>
+              </a:ext>
+            </a:extLst>
+          </p:cNvPr>
+          <p:cNvCxnSpPr>
+            <a:cxnSpLocks/>
+          </p:cNvCxnSpPr>
+          <p:nvPr/>
+        </p:nvCxnSpPr>
+        <p:spPr>
+          <a:xfrm>
+            <a:off x="5690586" y="3826262"/>
+            <a:ext cx="0" cy="372876"/>
+          </a:xfrm>
+          <a:prstGeom prst="line">
+            <a:avLst/>
+          </a:prstGeom>
+          <a:ln w="28575">
+            <a:solidFill>
+              <a:schemeClr val="tx1"/>
+            </a:solidFill>
+          </a:ln>
+        </p:spPr>
+        <p:style>
+          <a:lnRef idx="1">
+            <a:schemeClr val="accent1"/>
+          </a:lnRef>
+          <a:fillRef idx="0">
+            <a:schemeClr val="accent1"/>
+          </a:fillRef>
+          <a:effectRef idx="0">
+            <a:schemeClr val="accent1"/>
+          </a:effectRef>
+          <a:fontRef idx="minor">
+            <a:schemeClr val="tx1"/>
+          </a:fontRef>
+        </p:style>
+      </p:cxnSp>
+      <p:cxnSp>
+        <p:nvCxnSpPr>
+          <p:cNvPr id="45" name="Connettore diritto 44">
+            <a:extLst>
+              <a:ext uri="{FF2B5EF4-FFF2-40B4-BE49-F238E27FC236}">
+                <a16:creationId xmlns:a16="http://schemas.microsoft.com/office/drawing/2014/main" id="{32F32084-1BC5-4FD5-81E0-EC1B5902572B}"/>
+              </a:ext>
+            </a:extLst>
+          </p:cNvPr>
+          <p:cNvCxnSpPr>
+            <a:cxnSpLocks/>
+          </p:cNvCxnSpPr>
+          <p:nvPr/>
+        </p:nvCxnSpPr>
+        <p:spPr>
+          <a:xfrm>
+            <a:off x="7307802" y="3826262"/>
+            <a:ext cx="0" cy="372876"/>
+          </a:xfrm>
+          <a:prstGeom prst="line">
+            <a:avLst/>
+          </a:prstGeom>
+          <a:ln w="28575">
+            <a:solidFill>
+              <a:schemeClr val="tx1"/>
+            </a:solidFill>
+          </a:ln>
+        </p:spPr>
+        <p:style>
+          <a:lnRef idx="1">
+            <a:schemeClr val="accent1"/>
+          </a:lnRef>
+          <a:fillRef idx="0">
+            <a:schemeClr val="accent1"/>
+          </a:fillRef>
+          <a:effectRef idx="0">
+            <a:schemeClr val="accent1"/>
+          </a:effectRef>
+          <a:fontRef idx="minor">
+            <a:schemeClr val="tx1"/>
+          </a:fontRef>
+        </p:style>
+      </p:cxnSp>
+      <p:sp>
+        <p:nvSpPr>
+          <p:cNvPr id="46" name="Rettangolo 45">
+            <a:extLst>
+              <a:ext uri="{FF2B5EF4-FFF2-40B4-BE49-F238E27FC236}">
+                <a16:creationId xmlns:a16="http://schemas.microsoft.com/office/drawing/2014/main" id="{378E988D-35E7-4639-9D36-2E8B2EE1D9C6}"/>
+              </a:ext>
+            </a:extLst>
+          </p:cNvPr>
+          <p:cNvSpPr/>
+          <p:nvPr/>
+        </p:nvSpPr>
+        <p:spPr>
+          <a:xfrm>
+            <a:off x="6800306" y="4181363"/>
+            <a:ext cx="1420410" cy="528252"/>
+          </a:xfrm>
+          <a:prstGeom prst="rect">
+            <a:avLst/>
+          </a:prstGeom>
+          <a:solidFill>
+            <a:schemeClr val="bg1"/>
+          </a:solidFill>
+          <a:ln>
+            <a:solidFill>
+              <a:schemeClr val="tx1"/>
+            </a:solidFill>
+          </a:ln>
+        </p:spPr>
+        <p:style>
+          <a:lnRef idx="2">
+            <a:schemeClr val="accent1">
+              <a:shade val="50000"/>
+            </a:schemeClr>
+          </a:lnRef>
+          <a:fillRef idx="1">
+            <a:schemeClr val="accent1"/>
+          </a:fillRef>
+          <a:effectRef idx="0">
+            <a:schemeClr val="accent1"/>
+          </a:effectRef>
+          <a:fontRef idx="minor">
+            <a:schemeClr val="lt1"/>
+          </a:fontRef>
+        </p:style>
+        <p:txBody>
+          <a:bodyPr rtlCol="0" anchor="ctr"/>
+          <a:lstStyle/>
+          <a:p>
+            <a:pPr algn="ctr"/>
+            <a:r>
+              <a:rPr lang="it-IT" dirty="0">
+                <a:solidFill>
+                  <a:schemeClr val="tx1"/>
+                </a:solidFill>
+              </a:rPr>
+              <a:t>Commenta post</a:t>
+            </a:r>
+          </a:p>
+        </p:txBody>
+      </p:sp>
+      <p:sp>
+        <p:nvSpPr>
+          <p:cNvPr id="47" name="Rettangolo 46">
+            <a:extLst>
+              <a:ext uri="{FF2B5EF4-FFF2-40B4-BE49-F238E27FC236}">
+                <a16:creationId xmlns:a16="http://schemas.microsoft.com/office/drawing/2014/main" id="{63516B00-DDD3-4C1C-B64B-BC74EBFE34A6}"/>
+              </a:ext>
+            </a:extLst>
+          </p:cNvPr>
+          <p:cNvSpPr/>
+          <p:nvPr/>
+        </p:nvSpPr>
+        <p:spPr>
+          <a:xfrm>
+            <a:off x="5083389" y="4182829"/>
+            <a:ext cx="1291880" cy="417251"/>
+          </a:xfrm>
+          <a:prstGeom prst="rect">
+            <a:avLst/>
+          </a:prstGeom>
+          <a:solidFill>
+            <a:schemeClr val="bg1"/>
+          </a:solidFill>
+          <a:ln>
+            <a:solidFill>
+              <a:schemeClr val="tx1"/>
+            </a:solidFill>
+          </a:ln>
+        </p:spPr>
+        <p:style>
+          <a:lnRef idx="2">
+            <a:schemeClr val="accent1">
+              <a:shade val="50000"/>
+            </a:schemeClr>
+          </a:lnRef>
+          <a:fillRef idx="1">
+            <a:schemeClr val="accent1"/>
+          </a:fillRef>
+          <a:effectRef idx="0">
+            <a:schemeClr val="accent1"/>
+          </a:effectRef>
+          <a:fontRef idx="minor">
+            <a:schemeClr val="lt1"/>
+          </a:fontRef>
+        </p:style>
+        <p:txBody>
+          <a:bodyPr rtlCol="0" anchor="ctr"/>
+          <a:lstStyle/>
+          <a:p>
+            <a:pPr algn="ctr"/>
+            <a:r>
+              <a:rPr lang="it-IT" dirty="0">
+                <a:solidFill>
+                  <a:schemeClr val="tx1"/>
+                </a:solidFill>
+              </a:rPr>
+              <a:t>Cerca amici</a:t>
+            </a:r>
+          </a:p>
+        </p:txBody>
+      </p:sp>
+      <p:sp>
+        <p:nvSpPr>
+          <p:cNvPr id="48" name="Rettangolo 47">
+            <a:extLst>
+              <a:ext uri="{FF2B5EF4-FFF2-40B4-BE49-F238E27FC236}">
+                <a16:creationId xmlns:a16="http://schemas.microsoft.com/office/drawing/2014/main" id="{667D94FD-5B83-4332-9FD3-6E4195634804}"/>
+              </a:ext>
+            </a:extLst>
+          </p:cNvPr>
+          <p:cNvSpPr/>
+          <p:nvPr/>
+        </p:nvSpPr>
+        <p:spPr>
+          <a:xfrm>
+            <a:off x="3287704" y="4185782"/>
+            <a:ext cx="1608332" cy="528260"/>
+          </a:xfrm>
+          <a:prstGeom prst="rect">
+            <a:avLst/>
+          </a:prstGeom>
+          <a:solidFill>
+            <a:schemeClr val="bg1"/>
+          </a:solidFill>
+          <a:ln>
+            <a:solidFill>
+              <a:schemeClr val="tx1"/>
+            </a:solidFill>
+          </a:ln>
+        </p:spPr>
+        <p:style>
+          <a:lnRef idx="2">
+            <a:schemeClr val="accent1">
+              <a:shade val="50000"/>
+            </a:schemeClr>
+          </a:lnRef>
+          <a:fillRef idx="1">
+            <a:schemeClr val="accent1"/>
+          </a:fillRef>
+          <a:effectRef idx="0">
+            <a:schemeClr val="accent1"/>
+          </a:effectRef>
+          <a:fontRef idx="minor">
+            <a:schemeClr val="lt1"/>
+          </a:fontRef>
+        </p:style>
+        <p:txBody>
+          <a:bodyPr rtlCol="0" anchor="ctr"/>
+          <a:lstStyle/>
+          <a:p>
+            <a:pPr algn="ctr"/>
+            <a:r>
+              <a:rPr lang="it-IT" dirty="0">
+                <a:solidFill>
+                  <a:schemeClr val="tx1"/>
+                </a:solidFill>
+              </a:rPr>
+              <a:t>Crea/cancella post</a:t>
+            </a:r>
+          </a:p>
+        </p:txBody>
+      </p:sp>
     </p:spTree>
     <p:extLst>
       <p:ext uri="{BB962C8B-B14F-4D97-AF65-F5344CB8AC3E}">

--- a/flusso_prova.pptx
+++ b/flusso_prova.pptx
@@ -259,7 +259,7 @@
           <a:p>
             <a:fld id="{52D6866E-FFFD-494B-B057-7A4162712FFA}" type="datetimeFigureOut">
               <a:rPr lang="it-IT" smtClean="0"/>
-              <a:t>23/05/2023</a:t>
+              <a:t>24/05/2023</a:t>
             </a:fld>
             <a:endParaRPr lang="it-IT"/>
           </a:p>
@@ -457,7 +457,7 @@
           <a:p>
             <a:fld id="{52D6866E-FFFD-494B-B057-7A4162712FFA}" type="datetimeFigureOut">
               <a:rPr lang="it-IT" smtClean="0"/>
-              <a:t>23/05/2023</a:t>
+              <a:t>24/05/2023</a:t>
             </a:fld>
             <a:endParaRPr lang="it-IT"/>
           </a:p>
@@ -665,7 +665,7 @@
           <a:p>
             <a:fld id="{52D6866E-FFFD-494B-B057-7A4162712FFA}" type="datetimeFigureOut">
               <a:rPr lang="it-IT" smtClean="0"/>
-              <a:t>23/05/2023</a:t>
+              <a:t>24/05/2023</a:t>
             </a:fld>
             <a:endParaRPr lang="it-IT"/>
           </a:p>
@@ -863,7 +863,7 @@
           <a:p>
             <a:fld id="{52D6866E-FFFD-494B-B057-7A4162712FFA}" type="datetimeFigureOut">
               <a:rPr lang="it-IT" smtClean="0"/>
-              <a:t>23/05/2023</a:t>
+              <a:t>24/05/2023</a:t>
             </a:fld>
             <a:endParaRPr lang="it-IT"/>
           </a:p>
@@ -1138,7 +1138,7 @@
           <a:p>
             <a:fld id="{52D6866E-FFFD-494B-B057-7A4162712FFA}" type="datetimeFigureOut">
               <a:rPr lang="it-IT" smtClean="0"/>
-              <a:t>23/05/2023</a:t>
+              <a:t>24/05/2023</a:t>
             </a:fld>
             <a:endParaRPr lang="it-IT"/>
           </a:p>
@@ -1403,7 +1403,7 @@
           <a:p>
             <a:fld id="{52D6866E-FFFD-494B-B057-7A4162712FFA}" type="datetimeFigureOut">
               <a:rPr lang="it-IT" smtClean="0"/>
-              <a:t>23/05/2023</a:t>
+              <a:t>24/05/2023</a:t>
             </a:fld>
             <a:endParaRPr lang="it-IT"/>
           </a:p>
@@ -1815,7 +1815,7 @@
           <a:p>
             <a:fld id="{52D6866E-FFFD-494B-B057-7A4162712FFA}" type="datetimeFigureOut">
               <a:rPr lang="it-IT" smtClean="0"/>
-              <a:t>23/05/2023</a:t>
+              <a:t>24/05/2023</a:t>
             </a:fld>
             <a:endParaRPr lang="it-IT"/>
           </a:p>
@@ -1956,7 +1956,7 @@
           <a:p>
             <a:fld id="{52D6866E-FFFD-494B-B057-7A4162712FFA}" type="datetimeFigureOut">
               <a:rPr lang="it-IT" smtClean="0"/>
-              <a:t>23/05/2023</a:t>
+              <a:t>24/05/2023</a:t>
             </a:fld>
             <a:endParaRPr lang="it-IT"/>
           </a:p>
@@ -2069,7 +2069,7 @@
           <a:p>
             <a:fld id="{52D6866E-FFFD-494B-B057-7A4162712FFA}" type="datetimeFigureOut">
               <a:rPr lang="it-IT" smtClean="0"/>
-              <a:t>23/05/2023</a:t>
+              <a:t>24/05/2023</a:t>
             </a:fld>
             <a:endParaRPr lang="it-IT"/>
           </a:p>
@@ -2380,7 +2380,7 @@
           <a:p>
             <a:fld id="{52D6866E-FFFD-494B-B057-7A4162712FFA}" type="datetimeFigureOut">
               <a:rPr lang="it-IT" smtClean="0"/>
-              <a:t>23/05/2023</a:t>
+              <a:t>24/05/2023</a:t>
             </a:fld>
             <a:endParaRPr lang="it-IT"/>
           </a:p>
@@ -2668,7 +2668,7 @@
           <a:p>
             <a:fld id="{52D6866E-FFFD-494B-B057-7A4162712FFA}" type="datetimeFigureOut">
               <a:rPr lang="it-IT" smtClean="0"/>
-              <a:t>23/05/2023</a:t>
+              <a:t>24/05/2023</a:t>
             </a:fld>
             <a:endParaRPr lang="it-IT"/>
           </a:p>
@@ -2909,7 +2909,7 @@
           <a:p>
             <a:fld id="{52D6866E-FFFD-494B-B057-7A4162712FFA}" type="datetimeFigureOut">
               <a:rPr lang="it-IT" smtClean="0"/>
-              <a:t>23/05/2023</a:t>
+              <a:t>24/05/2023</a:t>
             </a:fld>
             <a:endParaRPr lang="it-IT"/>
           </a:p>
@@ -3326,6 +3326,178 @@
           <a:chExt cx="0" cy="0"/>
         </a:xfrm>
       </p:grpSpPr>
+      <p:cxnSp>
+        <p:nvCxnSpPr>
+          <p:cNvPr id="60" name="Connettore diritto 59">
+            <a:extLst>
+              <a:ext uri="{FF2B5EF4-FFF2-40B4-BE49-F238E27FC236}">
+                <a16:creationId xmlns:a16="http://schemas.microsoft.com/office/drawing/2014/main" id="{5E304EE3-F347-4BD2-81C6-149F29732D5D}"/>
+              </a:ext>
+            </a:extLst>
+          </p:cNvPr>
+          <p:cNvCxnSpPr>
+            <a:cxnSpLocks/>
+          </p:cNvCxnSpPr>
+          <p:nvPr/>
+        </p:nvCxnSpPr>
+        <p:spPr>
+          <a:xfrm>
+            <a:off x="5622151" y="4714042"/>
+            <a:ext cx="20713" cy="1619270"/>
+          </a:xfrm>
+          <a:prstGeom prst="line">
+            <a:avLst/>
+          </a:prstGeom>
+          <a:ln w="28575">
+            <a:solidFill>
+              <a:schemeClr val="tx1"/>
+            </a:solidFill>
+          </a:ln>
+        </p:spPr>
+        <p:style>
+          <a:lnRef idx="1">
+            <a:schemeClr val="accent1"/>
+          </a:lnRef>
+          <a:fillRef idx="0">
+            <a:schemeClr val="accent1"/>
+          </a:fillRef>
+          <a:effectRef idx="0">
+            <a:schemeClr val="accent1"/>
+          </a:effectRef>
+          <a:fontRef idx="minor">
+            <a:schemeClr val="tx1"/>
+          </a:fontRef>
+        </p:style>
+      </p:cxnSp>
+      <p:cxnSp>
+        <p:nvCxnSpPr>
+          <p:cNvPr id="61" name="Connettore diritto 60">
+            <a:extLst>
+              <a:ext uri="{FF2B5EF4-FFF2-40B4-BE49-F238E27FC236}">
+                <a16:creationId xmlns:a16="http://schemas.microsoft.com/office/drawing/2014/main" id="{27011AC6-D62D-41CC-AF88-DCF2BBE7D1C6}"/>
+              </a:ext>
+            </a:extLst>
+          </p:cNvPr>
+          <p:cNvCxnSpPr>
+            <a:cxnSpLocks/>
+          </p:cNvCxnSpPr>
+          <p:nvPr/>
+        </p:nvCxnSpPr>
+        <p:spPr>
+          <a:xfrm>
+            <a:off x="7346526" y="4714042"/>
+            <a:ext cx="20713" cy="1619270"/>
+          </a:xfrm>
+          <a:prstGeom prst="line">
+            <a:avLst/>
+          </a:prstGeom>
+          <a:ln w="28575">
+            <a:solidFill>
+              <a:schemeClr val="tx1"/>
+            </a:solidFill>
+          </a:ln>
+        </p:spPr>
+        <p:style>
+          <a:lnRef idx="1">
+            <a:schemeClr val="accent1"/>
+          </a:lnRef>
+          <a:fillRef idx="0">
+            <a:schemeClr val="accent1"/>
+          </a:fillRef>
+          <a:effectRef idx="0">
+            <a:schemeClr val="accent1"/>
+          </a:effectRef>
+          <a:fontRef idx="minor">
+            <a:schemeClr val="tx1"/>
+          </a:fontRef>
+        </p:style>
+      </p:cxnSp>
+      <p:cxnSp>
+        <p:nvCxnSpPr>
+          <p:cNvPr id="62" name="Connettore diritto 61">
+            <a:extLst>
+              <a:ext uri="{FF2B5EF4-FFF2-40B4-BE49-F238E27FC236}">
+                <a16:creationId xmlns:a16="http://schemas.microsoft.com/office/drawing/2014/main" id="{7E075D38-AD7E-4294-8973-7117BA4C6EA9}"/>
+              </a:ext>
+            </a:extLst>
+          </p:cNvPr>
+          <p:cNvCxnSpPr>
+            <a:cxnSpLocks/>
+          </p:cNvCxnSpPr>
+          <p:nvPr/>
+        </p:nvCxnSpPr>
+        <p:spPr>
+          <a:xfrm>
+            <a:off x="8777203" y="4714042"/>
+            <a:ext cx="20713" cy="1619270"/>
+          </a:xfrm>
+          <a:prstGeom prst="line">
+            <a:avLst/>
+          </a:prstGeom>
+          <a:ln w="28575">
+            <a:solidFill>
+              <a:schemeClr val="tx1"/>
+            </a:solidFill>
+          </a:ln>
+        </p:spPr>
+        <p:style>
+          <a:lnRef idx="1">
+            <a:schemeClr val="accent1"/>
+          </a:lnRef>
+          <a:fillRef idx="0">
+            <a:schemeClr val="accent1"/>
+          </a:fillRef>
+          <a:effectRef idx="0">
+            <a:schemeClr val="accent1"/>
+          </a:effectRef>
+          <a:fontRef idx="minor">
+            <a:schemeClr val="tx1"/>
+          </a:fontRef>
+        </p:style>
+      </p:cxnSp>
+      <p:cxnSp>
+        <p:nvCxnSpPr>
+          <p:cNvPr id="63" name="Connettore diritto 62">
+            <a:extLst>
+              <a:ext uri="{FF2B5EF4-FFF2-40B4-BE49-F238E27FC236}">
+                <a16:creationId xmlns:a16="http://schemas.microsoft.com/office/drawing/2014/main" id="{12B83592-CC37-4E53-A18D-3761EA0E77AC}"/>
+              </a:ext>
+            </a:extLst>
+          </p:cNvPr>
+          <p:cNvCxnSpPr>
+            <a:cxnSpLocks/>
+          </p:cNvCxnSpPr>
+          <p:nvPr/>
+        </p:nvCxnSpPr>
+        <p:spPr>
+          <a:xfrm>
+            <a:off x="10356546" y="4714042"/>
+            <a:ext cx="20713" cy="1619270"/>
+          </a:xfrm>
+          <a:prstGeom prst="line">
+            <a:avLst/>
+          </a:prstGeom>
+          <a:ln w="28575">
+            <a:solidFill>
+              <a:schemeClr val="tx1"/>
+            </a:solidFill>
+          </a:ln>
+        </p:spPr>
+        <p:style>
+          <a:lnRef idx="1">
+            <a:schemeClr val="accent1"/>
+          </a:lnRef>
+          <a:fillRef idx="0">
+            <a:schemeClr val="accent1"/>
+          </a:fillRef>
+          <a:effectRef idx="0">
+            <a:schemeClr val="accent1"/>
+          </a:effectRef>
+          <a:fontRef idx="minor">
+            <a:schemeClr val="tx1"/>
+          </a:fontRef>
+        </p:style>
+      </p:cxnSp>
       <p:sp>
         <p:nvSpPr>
           <p:cNvPr id="3" name="Ovale 2">
@@ -3346,7 +3518,9 @@
           <a:prstGeom prst="ellipse">
             <a:avLst/>
           </a:prstGeom>
-          <a:noFill/>
+          <a:solidFill>
+            <a:srgbClr val="FF3300"/>
+          </a:solidFill>
           <a:ln>
             <a:solidFill>
               <a:schemeClr val="tx1"/>
@@ -3375,7 +3549,7 @@
           <a:p>
             <a:pPr algn="ctr"/>
             <a:r>
-              <a:rPr lang="it-IT" dirty="0">
+              <a:rPr lang="it-IT" sz="2800" dirty="0">
                 <a:solidFill>
                   <a:schemeClr val="tx1"/>
                 </a:solidFill>
@@ -3449,7 +3623,9 @@
           <a:prstGeom prst="rect">
             <a:avLst/>
           </a:prstGeom>
-          <a:noFill/>
+          <a:solidFill>
+            <a:schemeClr val="accent2"/>
+          </a:solidFill>
           <a:ln>
             <a:solidFill>
               <a:schemeClr val="tx1"/>
@@ -3548,8 +3724,8 @@
         </p:nvCxnSpPr>
         <p:spPr>
           <a:xfrm flipH="1">
-            <a:off x="5606250" y="2334820"/>
-            <a:ext cx="5446449" cy="0"/>
+            <a:off x="5606251" y="2334820"/>
+            <a:ext cx="6156662" cy="0"/>
           </a:xfrm>
           <a:prstGeom prst="line">
             <a:avLst/>
@@ -3591,8 +3767,8 @@
         </p:nvCxnSpPr>
         <p:spPr>
           <a:xfrm flipH="1">
-            <a:off x="1808830" y="2334820"/>
-            <a:ext cx="3804080" cy="13324"/>
+            <a:off x="1768409" y="2334820"/>
+            <a:ext cx="3844501" cy="13323"/>
           </a:xfrm>
           <a:prstGeom prst="line">
             <a:avLst/>
@@ -3634,7 +3810,7 @@
         </p:nvCxnSpPr>
         <p:spPr>
           <a:xfrm>
-            <a:off x="11034944" y="2348144"/>
+            <a:off x="11762913" y="2348144"/>
             <a:ext cx="0" cy="3040605"/>
           </a:xfrm>
           <a:prstGeom prst="straightConnector1">
@@ -3676,13 +3852,18 @@
         </p:nvSpPr>
         <p:spPr>
           <a:xfrm>
-            <a:off x="10178249" y="5402072"/>
-            <a:ext cx="1553592" cy="417251"/>
+            <a:off x="11310856" y="5402072"/>
+            <a:ext cx="798992" cy="417251"/>
           </a:xfrm>
           <a:prstGeom prst="rect">
             <a:avLst/>
           </a:prstGeom>
-          <a:noFill/>
+          <a:solidFill>
+            <a:schemeClr val="accent4">
+              <a:lumMod val="40000"/>
+              <a:lumOff val="60000"/>
+            </a:schemeClr>
+          </a:solidFill>
           <a:ln>
             <a:solidFill>
               <a:schemeClr val="tx1"/>
@@ -3779,7 +3960,7 @@
         </p:nvCxnSpPr>
         <p:spPr>
           <a:xfrm>
-            <a:off x="1808830" y="2341482"/>
+            <a:off x="1772959" y="2357013"/>
             <a:ext cx="13316" cy="559293"/>
           </a:xfrm>
           <a:prstGeom prst="straightConnector1">
@@ -3821,13 +4002,18 @@
         </p:nvSpPr>
         <p:spPr>
           <a:xfrm>
-            <a:off x="947696" y="3009529"/>
-            <a:ext cx="1553592" cy="417251"/>
+            <a:off x="1133384" y="3009529"/>
+            <a:ext cx="1447061" cy="417251"/>
           </a:xfrm>
           <a:prstGeom prst="rect">
             <a:avLst/>
           </a:prstGeom>
-          <a:noFill/>
+          <a:solidFill>
+            <a:schemeClr val="accent2">
+              <a:lumMod val="60000"/>
+              <a:lumOff val="40000"/>
+            </a:schemeClr>
+          </a:solidFill>
           <a:ln>
             <a:solidFill>
               <a:schemeClr val="tx1"/>
@@ -3861,7 +4047,7 @@
                   <a:schemeClr val="tx1"/>
                 </a:solidFill>
               </a:rPr>
-              <a:t>Registra (2)</a:t>
+              <a:t>Registrazione</a:t>
             </a:r>
           </a:p>
         </p:txBody>
@@ -3880,14 +4066,17 @@
         </p:nvSpPr>
         <p:spPr>
           <a:xfrm>
-            <a:off x="10275903" y="2941827"/>
-            <a:ext cx="1553592" cy="417251"/>
+            <a:off x="11244304" y="2900775"/>
+            <a:ext cx="865544" cy="417251"/>
           </a:xfrm>
           <a:prstGeom prst="rect">
             <a:avLst/>
           </a:prstGeom>
           <a:solidFill>
-            <a:schemeClr val="bg1"/>
+            <a:schemeClr val="accent2">
+              <a:lumMod val="60000"/>
+              <a:lumOff val="40000"/>
+            </a:schemeClr>
           </a:solidFill>
           <a:ln>
             <a:solidFill>
@@ -3922,7 +4111,7 @@
                   <a:schemeClr val="tx1"/>
                 </a:solidFill>
               </a:rPr>
-              <a:t>exit (3)</a:t>
+              <a:t>Uscita</a:t>
             </a:r>
           </a:p>
         </p:txBody>
@@ -3947,7 +4136,12 @@
           <a:prstGeom prst="rect">
             <a:avLst/>
           </a:prstGeom>
-          <a:noFill/>
+          <a:solidFill>
+            <a:schemeClr val="accent2">
+              <a:lumMod val="60000"/>
+              <a:lumOff val="40000"/>
+            </a:schemeClr>
+          </a:solidFill>
           <a:ln>
             <a:solidFill>
               <a:schemeClr val="tx1"/>
@@ -4002,7 +4196,7 @@
         </p:nvCxnSpPr>
         <p:spPr>
           <a:xfrm>
-            <a:off x="1808830" y="3426780"/>
+            <a:off x="1786275" y="3426780"/>
             <a:ext cx="0" cy="497142"/>
           </a:xfrm>
           <a:prstGeom prst="line">
@@ -4088,13 +4282,16 @@
         <p:spPr>
           <a:xfrm>
             <a:off x="979883" y="3923922"/>
-            <a:ext cx="1684526" cy="1437074"/>
+            <a:ext cx="1590579" cy="1437074"/>
           </a:xfrm>
           <a:prstGeom prst="diamond">
             <a:avLst/>
           </a:prstGeom>
           <a:solidFill>
-            <a:schemeClr val="bg1"/>
+            <a:schemeClr val="accent4">
+              <a:lumMod val="40000"/>
+              <a:lumOff val="60000"/>
+            </a:schemeClr>
           </a:solidFill>
           <a:ln w="12700">
             <a:solidFill>
@@ -4144,14 +4341,15 @@
             </a:extLst>
           </p:cNvPr>
           <p:cNvCxnSpPr>
+            <a:cxnSpLocks/>
             <a:stCxn id="4" idx="1"/>
           </p:cNvCxnSpPr>
           <p:nvPr/>
         </p:nvCxnSpPr>
         <p:spPr>
           <a:xfrm flipH="1" flipV="1">
-            <a:off x="355107" y="4634144"/>
-            <a:ext cx="624776" cy="8315"/>
+            <a:off x="355107" y="4634145"/>
+            <a:ext cx="624776" cy="8314"/>
           </a:xfrm>
           <a:prstGeom prst="line">
             <a:avLst/>
@@ -4236,8 +4434,8 @@
         </p:nvCxnSpPr>
         <p:spPr>
           <a:xfrm flipH="1">
-            <a:off x="4057095" y="3826262"/>
-            <a:ext cx="3266983" cy="0"/>
+            <a:off x="2849732" y="3826262"/>
+            <a:ext cx="7617042" cy="10350"/>
           </a:xfrm>
           <a:prstGeom prst="line">
             <a:avLst/>
@@ -4328,7 +4526,10 @@
             <a:avLst/>
           </a:prstGeom>
           <a:solidFill>
-            <a:schemeClr val="bg1"/>
+            <a:schemeClr val="accent4">
+              <a:lumMod val="40000"/>
+              <a:lumOff val="60000"/>
+            </a:schemeClr>
           </a:solidFill>
           <a:ln>
             <a:solidFill>
@@ -4384,8 +4585,8 @@
         </p:nvCxnSpPr>
         <p:spPr>
           <a:xfrm>
-            <a:off x="4069672" y="3826262"/>
-            <a:ext cx="0" cy="372876"/>
+            <a:off x="4353758" y="3826262"/>
+            <a:ext cx="0" cy="353259"/>
           </a:xfrm>
           <a:prstGeom prst="line">
             <a:avLst/>
@@ -4427,7 +4628,7 @@
         </p:nvCxnSpPr>
         <p:spPr>
           <a:xfrm>
-            <a:off x="5690586" y="3826262"/>
+            <a:off x="5700211" y="3806645"/>
             <a:ext cx="0" cy="372876"/>
           </a:xfrm>
           <a:prstGeom prst="line">
@@ -4470,7 +4671,7 @@
         </p:nvCxnSpPr>
         <p:spPr>
           <a:xfrm>
-            <a:off x="7307802" y="3826262"/>
+            <a:off x="8882480" y="3806645"/>
             <a:ext cx="0" cy="372876"/>
           </a:xfrm>
           <a:prstGeom prst="line">
@@ -4511,14 +4712,17 @@
         </p:nvSpPr>
         <p:spPr>
           <a:xfrm>
-            <a:off x="6800306" y="4181363"/>
-            <a:ext cx="1420410" cy="528252"/>
+            <a:off x="8400134" y="4185789"/>
+            <a:ext cx="964693" cy="670293"/>
           </a:xfrm>
           <a:prstGeom prst="rect">
             <a:avLst/>
           </a:prstGeom>
           <a:solidFill>
-            <a:schemeClr val="bg1"/>
+            <a:schemeClr val="accent6">
+              <a:lumMod val="60000"/>
+              <a:lumOff val="40000"/>
+            </a:schemeClr>
           </a:solidFill>
           <a:ln>
             <a:solidFill>
@@ -4553,7 +4757,18 @@
                   <a:schemeClr val="tx1"/>
                 </a:solidFill>
               </a:rPr>
-              <a:t>Commenta post</a:t>
+              <a:t>Stampa</a:t>
+            </a:r>
+          </a:p>
+          <a:p>
+            <a:pPr algn="ctr"/>
+            <a:r>
+              <a:rPr lang="it-IT" dirty="0">
+                <a:solidFill>
+                  <a:schemeClr val="tx1"/>
+                </a:solidFill>
+              </a:rPr>
+              <a:t>profilo</a:t>
             </a:r>
           </a:p>
         </p:txBody>
@@ -4572,14 +4787,17 @@
         </p:nvSpPr>
         <p:spPr>
           <a:xfrm>
-            <a:off x="5083389" y="4182829"/>
-            <a:ext cx="1291880" cy="417251"/>
+            <a:off x="5196022" y="4193205"/>
+            <a:ext cx="1024994" cy="666976"/>
           </a:xfrm>
           <a:prstGeom prst="rect">
             <a:avLst/>
           </a:prstGeom>
           <a:solidFill>
-            <a:schemeClr val="bg1"/>
+            <a:schemeClr val="accent6">
+              <a:lumMod val="60000"/>
+              <a:lumOff val="40000"/>
+            </a:schemeClr>
           </a:solidFill>
           <a:ln>
             <a:solidFill>
@@ -4614,7 +4832,18 @@
                   <a:schemeClr val="tx1"/>
                 </a:solidFill>
               </a:rPr>
-              <a:t>Cerca amici</a:t>
+              <a:t>Aggiungi </a:t>
+            </a:r>
+          </a:p>
+          <a:p>
+            <a:pPr algn="ctr"/>
+            <a:r>
+              <a:rPr lang="it-IT" dirty="0">
+                <a:solidFill>
+                  <a:schemeClr val="tx1"/>
+                </a:solidFill>
+              </a:rPr>
+              <a:t>amici</a:t>
             </a:r>
           </a:p>
         </p:txBody>
@@ -4633,14 +4862,17 @@
         </p:nvSpPr>
         <p:spPr>
           <a:xfrm>
-            <a:off x="3287704" y="4185782"/>
-            <a:ext cx="1608332" cy="528260"/>
+            <a:off x="3881400" y="4185782"/>
+            <a:ext cx="1014635" cy="528260"/>
           </a:xfrm>
           <a:prstGeom prst="rect">
             <a:avLst/>
           </a:prstGeom>
           <a:solidFill>
-            <a:schemeClr val="bg1"/>
+            <a:schemeClr val="accent6">
+              <a:lumMod val="60000"/>
+              <a:lumOff val="40000"/>
+            </a:schemeClr>
           </a:solidFill>
           <a:ln>
             <a:solidFill>
@@ -4675,7 +4907,904 @@
                   <a:schemeClr val="tx1"/>
                 </a:solidFill>
               </a:rPr>
-              <a:t>Crea/cancella post</a:t>
+              <a:t>Cancella </a:t>
+            </a:r>
+          </a:p>
+          <a:p>
+            <a:pPr algn="ctr"/>
+            <a:r>
+              <a:rPr lang="it-IT" dirty="0">
+                <a:solidFill>
+                  <a:schemeClr val="tx1"/>
+                </a:solidFill>
+              </a:rPr>
+              <a:t>post</a:t>
+            </a:r>
+          </a:p>
+        </p:txBody>
+      </p:sp>
+      <p:cxnSp>
+        <p:nvCxnSpPr>
+          <p:cNvPr id="33" name="Connettore diritto 32">
+            <a:extLst>
+              <a:ext uri="{FF2B5EF4-FFF2-40B4-BE49-F238E27FC236}">
+                <a16:creationId xmlns:a16="http://schemas.microsoft.com/office/drawing/2014/main" id="{9D644611-4D27-414B-B269-AD7E04D179E8}"/>
+              </a:ext>
+            </a:extLst>
+          </p:cNvPr>
+          <p:cNvCxnSpPr>
+            <a:cxnSpLocks/>
+          </p:cNvCxnSpPr>
+          <p:nvPr/>
+        </p:nvCxnSpPr>
+        <p:spPr>
+          <a:xfrm>
+            <a:off x="10451977" y="3826262"/>
+            <a:ext cx="0" cy="372876"/>
+          </a:xfrm>
+          <a:prstGeom prst="line">
+            <a:avLst/>
+          </a:prstGeom>
+          <a:ln w="28575">
+            <a:solidFill>
+              <a:schemeClr val="tx1"/>
+            </a:solidFill>
+          </a:ln>
+        </p:spPr>
+        <p:style>
+          <a:lnRef idx="1">
+            <a:schemeClr val="accent1"/>
+          </a:lnRef>
+          <a:fillRef idx="0">
+            <a:schemeClr val="accent1"/>
+          </a:fillRef>
+          <a:effectRef idx="0">
+            <a:schemeClr val="accent1"/>
+          </a:effectRef>
+          <a:fontRef idx="minor">
+            <a:schemeClr val="tx1"/>
+          </a:fontRef>
+        </p:style>
+      </p:cxnSp>
+      <p:cxnSp>
+        <p:nvCxnSpPr>
+          <p:cNvPr id="36" name="Connettore diritto 35">
+            <a:extLst>
+              <a:ext uri="{FF2B5EF4-FFF2-40B4-BE49-F238E27FC236}">
+                <a16:creationId xmlns:a16="http://schemas.microsoft.com/office/drawing/2014/main" id="{F6B6C701-EB77-412B-BDD8-5D6BBB2A888B}"/>
+              </a:ext>
+            </a:extLst>
+          </p:cNvPr>
+          <p:cNvCxnSpPr>
+            <a:cxnSpLocks/>
+          </p:cNvCxnSpPr>
+          <p:nvPr/>
+        </p:nvCxnSpPr>
+        <p:spPr>
+          <a:xfrm>
+            <a:off x="7387701" y="3836612"/>
+            <a:ext cx="0" cy="372876"/>
+          </a:xfrm>
+          <a:prstGeom prst="line">
+            <a:avLst/>
+          </a:prstGeom>
+          <a:ln w="28575">
+            <a:solidFill>
+              <a:schemeClr val="tx1"/>
+            </a:solidFill>
+          </a:ln>
+        </p:spPr>
+        <p:style>
+          <a:lnRef idx="1">
+            <a:schemeClr val="accent1"/>
+          </a:lnRef>
+          <a:fillRef idx="0">
+            <a:schemeClr val="accent1"/>
+          </a:fillRef>
+          <a:effectRef idx="0">
+            <a:schemeClr val="accent1"/>
+          </a:effectRef>
+          <a:fontRef idx="minor">
+            <a:schemeClr val="tx1"/>
+          </a:fontRef>
+        </p:style>
+      </p:cxnSp>
+      <p:sp>
+        <p:nvSpPr>
+          <p:cNvPr id="37" name="Rettangolo 36">
+            <a:extLst>
+              <a:ext uri="{FF2B5EF4-FFF2-40B4-BE49-F238E27FC236}">
+                <a16:creationId xmlns:a16="http://schemas.microsoft.com/office/drawing/2014/main" id="{3E2BF50D-739F-481E-B0DE-1B50FB76934C}"/>
+              </a:ext>
+            </a:extLst>
+          </p:cNvPr>
+          <p:cNvSpPr/>
+          <p:nvPr/>
+        </p:nvSpPr>
+        <p:spPr>
+          <a:xfrm>
+            <a:off x="6944758" y="4186537"/>
+            <a:ext cx="946551" cy="670294"/>
+          </a:xfrm>
+          <a:prstGeom prst="rect">
+            <a:avLst/>
+          </a:prstGeom>
+          <a:solidFill>
+            <a:schemeClr val="accent6">
+              <a:lumMod val="60000"/>
+              <a:lumOff val="40000"/>
+            </a:schemeClr>
+          </a:solidFill>
+          <a:ln>
+            <a:solidFill>
+              <a:schemeClr val="tx1"/>
+            </a:solidFill>
+          </a:ln>
+        </p:spPr>
+        <p:style>
+          <a:lnRef idx="2">
+            <a:schemeClr val="accent1">
+              <a:shade val="50000"/>
+            </a:schemeClr>
+          </a:lnRef>
+          <a:fillRef idx="1">
+            <a:schemeClr val="accent1"/>
+          </a:fillRef>
+          <a:effectRef idx="0">
+            <a:schemeClr val="accent1"/>
+          </a:effectRef>
+          <a:fontRef idx="minor">
+            <a:schemeClr val="lt1"/>
+          </a:fontRef>
+        </p:style>
+        <p:txBody>
+          <a:bodyPr rtlCol="0" anchor="ctr"/>
+          <a:lstStyle/>
+          <a:p>
+            <a:pPr algn="ctr"/>
+            <a:r>
+              <a:rPr lang="it-IT" dirty="0">
+                <a:solidFill>
+                  <a:schemeClr val="tx1"/>
+                </a:solidFill>
+              </a:rPr>
+              <a:t>Rimuovi</a:t>
+            </a:r>
+          </a:p>
+          <a:p>
+            <a:pPr algn="ctr"/>
+            <a:r>
+              <a:rPr lang="it-IT" dirty="0">
+                <a:solidFill>
+                  <a:schemeClr val="tx1"/>
+                </a:solidFill>
+              </a:rPr>
+              <a:t>Amici</a:t>
+            </a:r>
+          </a:p>
+        </p:txBody>
+      </p:sp>
+      <p:sp>
+        <p:nvSpPr>
+          <p:cNvPr id="39" name="Rettangolo 38">
+            <a:extLst>
+              <a:ext uri="{FF2B5EF4-FFF2-40B4-BE49-F238E27FC236}">
+                <a16:creationId xmlns:a16="http://schemas.microsoft.com/office/drawing/2014/main" id="{A3620CC8-B5F4-4314-93AA-68998350ADB7}"/>
+              </a:ext>
+            </a:extLst>
+          </p:cNvPr>
+          <p:cNvSpPr/>
+          <p:nvPr/>
+        </p:nvSpPr>
+        <p:spPr>
+          <a:xfrm>
+            <a:off x="9955957" y="4209488"/>
+            <a:ext cx="964693" cy="646598"/>
+          </a:xfrm>
+          <a:prstGeom prst="rect">
+            <a:avLst/>
+          </a:prstGeom>
+          <a:solidFill>
+            <a:schemeClr val="accent6">
+              <a:lumMod val="60000"/>
+              <a:lumOff val="40000"/>
+            </a:schemeClr>
+          </a:solidFill>
+          <a:ln>
+            <a:solidFill>
+              <a:schemeClr val="tx1"/>
+            </a:solidFill>
+          </a:ln>
+        </p:spPr>
+        <p:style>
+          <a:lnRef idx="2">
+            <a:schemeClr val="accent1">
+              <a:shade val="50000"/>
+            </a:schemeClr>
+          </a:lnRef>
+          <a:fillRef idx="1">
+            <a:schemeClr val="accent1"/>
+          </a:fillRef>
+          <a:effectRef idx="0">
+            <a:schemeClr val="accent1"/>
+          </a:effectRef>
+          <a:fontRef idx="minor">
+            <a:schemeClr val="lt1"/>
+          </a:fontRef>
+        </p:style>
+        <p:txBody>
+          <a:bodyPr rtlCol="0" anchor="ctr"/>
+          <a:lstStyle/>
+          <a:p>
+            <a:pPr algn="ctr"/>
+            <a:r>
+              <a:rPr lang="it-IT" dirty="0">
+                <a:solidFill>
+                  <a:schemeClr val="tx1"/>
+                </a:solidFill>
+              </a:rPr>
+              <a:t>Lista</a:t>
+            </a:r>
+          </a:p>
+          <a:p>
+            <a:pPr algn="ctr"/>
+            <a:r>
+              <a:rPr lang="it-IT" dirty="0">
+                <a:solidFill>
+                  <a:schemeClr val="tx1"/>
+                </a:solidFill>
+              </a:rPr>
+              <a:t>Amici</a:t>
+            </a:r>
+          </a:p>
+        </p:txBody>
+      </p:sp>
+      <p:cxnSp>
+        <p:nvCxnSpPr>
+          <p:cNvPr id="40" name="Connettore diritto 39">
+            <a:extLst>
+              <a:ext uri="{FF2B5EF4-FFF2-40B4-BE49-F238E27FC236}">
+                <a16:creationId xmlns:a16="http://schemas.microsoft.com/office/drawing/2014/main" id="{C9F71315-E3BA-4FCE-8944-0470015F3355}"/>
+              </a:ext>
+            </a:extLst>
+          </p:cNvPr>
+          <p:cNvCxnSpPr>
+            <a:cxnSpLocks/>
+          </p:cNvCxnSpPr>
+          <p:nvPr/>
+        </p:nvCxnSpPr>
+        <p:spPr>
+          <a:xfrm>
+            <a:off x="3494105" y="3843628"/>
+            <a:ext cx="12951" cy="1012454"/>
+          </a:xfrm>
+          <a:prstGeom prst="line">
+            <a:avLst/>
+          </a:prstGeom>
+          <a:ln w="28575">
+            <a:solidFill>
+              <a:schemeClr val="tx1"/>
+            </a:solidFill>
+          </a:ln>
+        </p:spPr>
+        <p:style>
+          <a:lnRef idx="1">
+            <a:schemeClr val="accent1"/>
+          </a:lnRef>
+          <a:fillRef idx="0">
+            <a:schemeClr val="accent1"/>
+          </a:fillRef>
+          <a:effectRef idx="0">
+            <a:schemeClr val="accent1"/>
+          </a:effectRef>
+          <a:fontRef idx="minor">
+            <a:schemeClr val="tx1"/>
+          </a:fontRef>
+        </p:style>
+      </p:cxnSp>
+      <p:cxnSp>
+        <p:nvCxnSpPr>
+          <p:cNvPr id="41" name="Connettore diritto 40">
+            <a:extLst>
+              <a:ext uri="{FF2B5EF4-FFF2-40B4-BE49-F238E27FC236}">
+                <a16:creationId xmlns:a16="http://schemas.microsoft.com/office/drawing/2014/main" id="{F546D00B-7A70-4B58-BFFF-A42C64A24788}"/>
+              </a:ext>
+            </a:extLst>
+          </p:cNvPr>
+          <p:cNvCxnSpPr>
+            <a:cxnSpLocks/>
+          </p:cNvCxnSpPr>
+          <p:nvPr/>
+        </p:nvCxnSpPr>
+        <p:spPr>
+          <a:xfrm>
+            <a:off x="2849732" y="3843628"/>
+            <a:ext cx="19236" cy="1663468"/>
+          </a:xfrm>
+          <a:prstGeom prst="line">
+            <a:avLst/>
+          </a:prstGeom>
+          <a:ln w="28575">
+            <a:solidFill>
+              <a:schemeClr val="tx1"/>
+            </a:solidFill>
+          </a:ln>
+        </p:spPr>
+        <p:style>
+          <a:lnRef idx="1">
+            <a:schemeClr val="accent1"/>
+          </a:lnRef>
+          <a:fillRef idx="0">
+            <a:schemeClr val="accent1"/>
+          </a:fillRef>
+          <a:effectRef idx="0">
+            <a:schemeClr val="accent1"/>
+          </a:effectRef>
+          <a:fontRef idx="minor">
+            <a:schemeClr val="tx1"/>
+          </a:fontRef>
+        </p:style>
+      </p:cxnSp>
+      <p:sp>
+        <p:nvSpPr>
+          <p:cNvPr id="43" name="Rettangolo 42">
+            <a:extLst>
+              <a:ext uri="{FF2B5EF4-FFF2-40B4-BE49-F238E27FC236}">
+                <a16:creationId xmlns:a16="http://schemas.microsoft.com/office/drawing/2014/main" id="{AF512273-507F-4A91-B11A-BED225F0431F}"/>
+              </a:ext>
+            </a:extLst>
+          </p:cNvPr>
+          <p:cNvSpPr/>
+          <p:nvPr/>
+        </p:nvSpPr>
+        <p:spPr>
+          <a:xfrm>
+            <a:off x="3033780" y="4764051"/>
+            <a:ext cx="946551" cy="528260"/>
+          </a:xfrm>
+          <a:prstGeom prst="rect">
+            <a:avLst/>
+          </a:prstGeom>
+          <a:solidFill>
+            <a:schemeClr val="accent6">
+              <a:lumMod val="60000"/>
+              <a:lumOff val="40000"/>
+            </a:schemeClr>
+          </a:solidFill>
+          <a:ln>
+            <a:solidFill>
+              <a:schemeClr val="tx1"/>
+            </a:solidFill>
+          </a:ln>
+        </p:spPr>
+        <p:style>
+          <a:lnRef idx="2">
+            <a:schemeClr val="accent1">
+              <a:shade val="50000"/>
+            </a:schemeClr>
+          </a:lnRef>
+          <a:fillRef idx="1">
+            <a:schemeClr val="accent1"/>
+          </a:fillRef>
+          <a:effectRef idx="0">
+            <a:schemeClr val="accent1"/>
+          </a:effectRef>
+          <a:fontRef idx="minor">
+            <a:schemeClr val="lt1"/>
+          </a:fontRef>
+        </p:style>
+        <p:txBody>
+          <a:bodyPr rtlCol="0" anchor="ctr"/>
+          <a:lstStyle/>
+          <a:p>
+            <a:pPr algn="ctr"/>
+            <a:r>
+              <a:rPr lang="it-IT" dirty="0">
+                <a:solidFill>
+                  <a:schemeClr val="tx1"/>
+                </a:solidFill>
+              </a:rPr>
+              <a:t>Crea Post</a:t>
+            </a:r>
+          </a:p>
+        </p:txBody>
+      </p:sp>
+      <p:sp>
+        <p:nvSpPr>
+          <p:cNvPr id="49" name="Rettangolo 48">
+            <a:extLst>
+              <a:ext uri="{FF2B5EF4-FFF2-40B4-BE49-F238E27FC236}">
+                <a16:creationId xmlns:a16="http://schemas.microsoft.com/office/drawing/2014/main" id="{D6832DBE-583B-400C-ABA9-9F7D81CA3379}"/>
+              </a:ext>
+            </a:extLst>
+          </p:cNvPr>
+          <p:cNvSpPr/>
+          <p:nvPr/>
+        </p:nvSpPr>
+        <p:spPr>
+          <a:xfrm>
+            <a:off x="2342414" y="5507096"/>
+            <a:ext cx="1332941" cy="528260"/>
+          </a:xfrm>
+          <a:prstGeom prst="rect">
+            <a:avLst/>
+          </a:prstGeom>
+          <a:solidFill>
+            <a:schemeClr val="accent6">
+              <a:lumMod val="60000"/>
+              <a:lumOff val="40000"/>
+            </a:schemeClr>
+          </a:solidFill>
+          <a:ln>
+            <a:solidFill>
+              <a:schemeClr val="tx1"/>
+            </a:solidFill>
+          </a:ln>
+        </p:spPr>
+        <p:style>
+          <a:lnRef idx="2">
+            <a:schemeClr val="accent1">
+              <a:shade val="50000"/>
+            </a:schemeClr>
+          </a:lnRef>
+          <a:fillRef idx="1">
+            <a:schemeClr val="accent1"/>
+          </a:fillRef>
+          <a:effectRef idx="0">
+            <a:schemeClr val="accent1"/>
+          </a:effectRef>
+          <a:fontRef idx="minor">
+            <a:schemeClr val="lt1"/>
+          </a:fontRef>
+        </p:style>
+        <p:txBody>
+          <a:bodyPr rtlCol="0" anchor="ctr"/>
+          <a:lstStyle/>
+          <a:p>
+            <a:pPr algn="ctr"/>
+            <a:r>
+              <a:rPr lang="it-IT" dirty="0">
+                <a:solidFill>
+                  <a:schemeClr val="tx1"/>
+                </a:solidFill>
+              </a:rPr>
+              <a:t>Commenta </a:t>
+            </a:r>
+          </a:p>
+          <a:p>
+            <a:pPr algn="ctr"/>
+            <a:r>
+              <a:rPr lang="it-IT" dirty="0">
+                <a:solidFill>
+                  <a:schemeClr val="tx1"/>
+                </a:solidFill>
+              </a:rPr>
+              <a:t>post</a:t>
+            </a:r>
+          </a:p>
+        </p:txBody>
+      </p:sp>
+      <p:cxnSp>
+        <p:nvCxnSpPr>
+          <p:cNvPr id="57" name="Connettore diritto 56">
+            <a:extLst>
+              <a:ext uri="{FF2B5EF4-FFF2-40B4-BE49-F238E27FC236}">
+                <a16:creationId xmlns:a16="http://schemas.microsoft.com/office/drawing/2014/main" id="{1DD0C0D5-3038-45CE-82A5-58A477095FA6}"/>
+              </a:ext>
+            </a:extLst>
+          </p:cNvPr>
+          <p:cNvCxnSpPr>
+            <a:cxnSpLocks/>
+          </p:cNvCxnSpPr>
+          <p:nvPr/>
+        </p:nvCxnSpPr>
+        <p:spPr>
+          <a:xfrm>
+            <a:off x="3835870" y="5320858"/>
+            <a:ext cx="12951" cy="1012454"/>
+          </a:xfrm>
+          <a:prstGeom prst="line">
+            <a:avLst/>
+          </a:prstGeom>
+          <a:ln w="28575">
+            <a:solidFill>
+              <a:schemeClr val="tx1"/>
+            </a:solidFill>
+          </a:ln>
+        </p:spPr>
+        <p:style>
+          <a:lnRef idx="1">
+            <a:schemeClr val="accent1"/>
+          </a:lnRef>
+          <a:fillRef idx="0">
+            <a:schemeClr val="accent1"/>
+          </a:fillRef>
+          <a:effectRef idx="0">
+            <a:schemeClr val="accent1"/>
+          </a:effectRef>
+          <a:fontRef idx="minor">
+            <a:schemeClr val="tx1"/>
+          </a:fontRef>
+        </p:style>
+      </p:cxnSp>
+      <p:cxnSp>
+        <p:nvCxnSpPr>
+          <p:cNvPr id="58" name="Connettore diritto 57">
+            <a:extLst>
+              <a:ext uri="{FF2B5EF4-FFF2-40B4-BE49-F238E27FC236}">
+                <a16:creationId xmlns:a16="http://schemas.microsoft.com/office/drawing/2014/main" id="{A661A832-785F-4115-9057-83006B5711E9}"/>
+              </a:ext>
+            </a:extLst>
+          </p:cNvPr>
+          <p:cNvCxnSpPr>
+            <a:cxnSpLocks/>
+          </p:cNvCxnSpPr>
+          <p:nvPr/>
+        </p:nvCxnSpPr>
+        <p:spPr>
+          <a:xfrm>
+            <a:off x="4379444" y="4714042"/>
+            <a:ext cx="20713" cy="1619270"/>
+          </a:xfrm>
+          <a:prstGeom prst="line">
+            <a:avLst/>
+          </a:prstGeom>
+          <a:ln w="28575">
+            <a:solidFill>
+              <a:schemeClr val="tx1"/>
+            </a:solidFill>
+          </a:ln>
+        </p:spPr>
+        <p:style>
+          <a:lnRef idx="1">
+            <a:schemeClr val="accent1"/>
+          </a:lnRef>
+          <a:fillRef idx="0">
+            <a:schemeClr val="accent1"/>
+          </a:fillRef>
+          <a:effectRef idx="0">
+            <a:schemeClr val="accent1"/>
+          </a:effectRef>
+          <a:fontRef idx="minor">
+            <a:schemeClr val="tx1"/>
+          </a:fontRef>
+        </p:style>
+      </p:cxnSp>
+      <p:cxnSp>
+        <p:nvCxnSpPr>
+          <p:cNvPr id="64" name="Connettore diritto 63">
+            <a:extLst>
+              <a:ext uri="{FF2B5EF4-FFF2-40B4-BE49-F238E27FC236}">
+                <a16:creationId xmlns:a16="http://schemas.microsoft.com/office/drawing/2014/main" id="{DA463543-F177-4DAF-9AB4-0C1F82ABC7DA}"/>
+              </a:ext>
+            </a:extLst>
+          </p:cNvPr>
+          <p:cNvCxnSpPr>
+            <a:cxnSpLocks/>
+          </p:cNvCxnSpPr>
+          <p:nvPr/>
+        </p:nvCxnSpPr>
+        <p:spPr>
+          <a:xfrm flipH="1">
+            <a:off x="2821261" y="6311639"/>
+            <a:ext cx="7555998" cy="10267"/>
+          </a:xfrm>
+          <a:prstGeom prst="line">
+            <a:avLst/>
+          </a:prstGeom>
+          <a:ln w="28575">
+            <a:solidFill>
+              <a:schemeClr val="tx1"/>
+            </a:solidFill>
+          </a:ln>
+        </p:spPr>
+        <p:style>
+          <a:lnRef idx="1">
+            <a:schemeClr val="accent1"/>
+          </a:lnRef>
+          <a:fillRef idx="0">
+            <a:schemeClr val="accent1"/>
+          </a:fillRef>
+          <a:effectRef idx="0">
+            <a:schemeClr val="accent1"/>
+          </a:effectRef>
+          <a:fontRef idx="minor">
+            <a:schemeClr val="tx1"/>
+          </a:fontRef>
+        </p:style>
+      </p:cxnSp>
+      <p:cxnSp>
+        <p:nvCxnSpPr>
+          <p:cNvPr id="66" name="Connettore diritto 65">
+            <a:extLst>
+              <a:ext uri="{FF2B5EF4-FFF2-40B4-BE49-F238E27FC236}">
+                <a16:creationId xmlns:a16="http://schemas.microsoft.com/office/drawing/2014/main" id="{37CD57FE-DD4E-44F8-BD06-41564F810E6A}"/>
+              </a:ext>
+            </a:extLst>
+          </p:cNvPr>
+          <p:cNvCxnSpPr>
+            <a:cxnSpLocks/>
+          </p:cNvCxnSpPr>
+          <p:nvPr/>
+        </p:nvCxnSpPr>
+        <p:spPr>
+          <a:xfrm>
+            <a:off x="2833456" y="6035356"/>
+            <a:ext cx="5507" cy="305151"/>
+          </a:xfrm>
+          <a:prstGeom prst="line">
+            <a:avLst/>
+          </a:prstGeom>
+          <a:ln w="28575">
+            <a:solidFill>
+              <a:schemeClr val="tx1"/>
+            </a:solidFill>
+          </a:ln>
+        </p:spPr>
+        <p:style>
+          <a:lnRef idx="1">
+            <a:schemeClr val="accent1"/>
+          </a:lnRef>
+          <a:fillRef idx="0">
+            <a:schemeClr val="accent1"/>
+          </a:fillRef>
+          <a:effectRef idx="0">
+            <a:schemeClr val="accent1"/>
+          </a:effectRef>
+          <a:fontRef idx="minor">
+            <a:schemeClr val="tx1"/>
+          </a:fontRef>
+        </p:style>
+      </p:cxnSp>
+      <p:cxnSp>
+        <p:nvCxnSpPr>
+          <p:cNvPr id="68" name="Connettore diritto 67">
+            <a:extLst>
+              <a:ext uri="{FF2B5EF4-FFF2-40B4-BE49-F238E27FC236}">
+                <a16:creationId xmlns:a16="http://schemas.microsoft.com/office/drawing/2014/main" id="{76CF19C5-DE78-482A-A7C5-769E9D84B0EE}"/>
+              </a:ext>
+            </a:extLst>
+          </p:cNvPr>
+          <p:cNvCxnSpPr>
+            <a:cxnSpLocks/>
+          </p:cNvCxnSpPr>
+          <p:nvPr/>
+        </p:nvCxnSpPr>
+        <p:spPr>
+          <a:xfrm>
+            <a:off x="11158284" y="3440086"/>
+            <a:ext cx="0" cy="3176704"/>
+          </a:xfrm>
+          <a:prstGeom prst="line">
+            <a:avLst/>
+          </a:prstGeom>
+          <a:ln w="28575">
+            <a:solidFill>
+              <a:schemeClr val="tx1"/>
+            </a:solidFill>
+          </a:ln>
+        </p:spPr>
+        <p:style>
+          <a:lnRef idx="1">
+            <a:schemeClr val="accent1"/>
+          </a:lnRef>
+          <a:fillRef idx="0">
+            <a:schemeClr val="accent1"/>
+          </a:fillRef>
+          <a:effectRef idx="0">
+            <a:schemeClr val="accent1"/>
+          </a:effectRef>
+          <a:fontRef idx="minor">
+            <a:schemeClr val="tx1"/>
+          </a:fontRef>
+        </p:style>
+      </p:cxnSp>
+      <p:cxnSp>
+        <p:nvCxnSpPr>
+          <p:cNvPr id="71" name="Connettore 2 70">
+            <a:extLst>
+              <a:ext uri="{FF2B5EF4-FFF2-40B4-BE49-F238E27FC236}">
+                <a16:creationId xmlns:a16="http://schemas.microsoft.com/office/drawing/2014/main" id="{7BB40487-1078-420F-8C5E-D559114BBA44}"/>
+              </a:ext>
+            </a:extLst>
+          </p:cNvPr>
+          <p:cNvCxnSpPr/>
+          <p:nvPr/>
+        </p:nvCxnSpPr>
+        <p:spPr>
+          <a:xfrm flipH="1" flipV="1">
+            <a:off x="6569476" y="3426780"/>
+            <a:ext cx="4589755" cy="13306"/>
+          </a:xfrm>
+          <a:prstGeom prst="straightConnector1">
+            <a:avLst/>
+          </a:prstGeom>
+          <a:ln w="28575">
+            <a:solidFill>
+              <a:schemeClr val="tx1"/>
+            </a:solidFill>
+            <a:tailEnd type="triangle"/>
+          </a:ln>
+        </p:spPr>
+        <p:style>
+          <a:lnRef idx="1">
+            <a:schemeClr val="accent1"/>
+          </a:lnRef>
+          <a:fillRef idx="0">
+            <a:schemeClr val="accent1"/>
+          </a:fillRef>
+          <a:effectRef idx="0">
+            <a:schemeClr val="accent1"/>
+          </a:effectRef>
+          <a:fontRef idx="minor">
+            <a:schemeClr val="tx1"/>
+          </a:fontRef>
+        </p:style>
+      </p:cxnSp>
+      <p:cxnSp>
+        <p:nvCxnSpPr>
+          <p:cNvPr id="75" name="Connettore diritto 74">
+            <a:extLst>
+              <a:ext uri="{FF2B5EF4-FFF2-40B4-BE49-F238E27FC236}">
+                <a16:creationId xmlns:a16="http://schemas.microsoft.com/office/drawing/2014/main" id="{1EF812DE-8174-45FE-889D-8E83DE912DCC}"/>
+              </a:ext>
+            </a:extLst>
+          </p:cNvPr>
+          <p:cNvCxnSpPr>
+            <a:cxnSpLocks/>
+          </p:cNvCxnSpPr>
+          <p:nvPr/>
+        </p:nvCxnSpPr>
+        <p:spPr>
+          <a:xfrm>
+            <a:off x="5640584" y="6311639"/>
+            <a:ext cx="5507" cy="305151"/>
+          </a:xfrm>
+          <a:prstGeom prst="line">
+            <a:avLst/>
+          </a:prstGeom>
+          <a:ln w="28575">
+            <a:solidFill>
+              <a:schemeClr val="tx1"/>
+            </a:solidFill>
+          </a:ln>
+        </p:spPr>
+        <p:style>
+          <a:lnRef idx="1">
+            <a:schemeClr val="accent1"/>
+          </a:lnRef>
+          <a:fillRef idx="0">
+            <a:schemeClr val="accent1"/>
+          </a:fillRef>
+          <a:effectRef idx="0">
+            <a:schemeClr val="accent1"/>
+          </a:effectRef>
+          <a:fontRef idx="minor">
+            <a:schemeClr val="tx1"/>
+          </a:fontRef>
+        </p:style>
+      </p:cxnSp>
+      <p:cxnSp>
+        <p:nvCxnSpPr>
+          <p:cNvPr id="77" name="Connettore diritto 76">
+            <a:extLst>
+              <a:ext uri="{FF2B5EF4-FFF2-40B4-BE49-F238E27FC236}">
+                <a16:creationId xmlns:a16="http://schemas.microsoft.com/office/drawing/2014/main" id="{06E3CDBF-3860-477A-BA1D-EE48F634B1B8}"/>
+              </a:ext>
+            </a:extLst>
+          </p:cNvPr>
+          <p:cNvCxnSpPr>
+            <a:cxnSpLocks/>
+          </p:cNvCxnSpPr>
+          <p:nvPr/>
+        </p:nvCxnSpPr>
+        <p:spPr>
+          <a:xfrm flipH="1" flipV="1">
+            <a:off x="5640586" y="6598189"/>
+            <a:ext cx="5517698" cy="12167"/>
+          </a:xfrm>
+          <a:prstGeom prst="line">
+            <a:avLst/>
+          </a:prstGeom>
+          <a:ln w="28575">
+            <a:solidFill>
+              <a:schemeClr val="tx1"/>
+            </a:solidFill>
+          </a:ln>
+        </p:spPr>
+        <p:style>
+          <a:lnRef idx="1">
+            <a:schemeClr val="accent1"/>
+          </a:lnRef>
+          <a:fillRef idx="0">
+            <a:schemeClr val="accent1"/>
+          </a:fillRef>
+          <a:effectRef idx="0">
+            <a:schemeClr val="accent1"/>
+          </a:effectRef>
+          <a:fontRef idx="minor">
+            <a:schemeClr val="tx1"/>
+          </a:fontRef>
+        </p:style>
+      </p:cxnSp>
+      <p:sp>
+        <p:nvSpPr>
+          <p:cNvPr id="82" name="Rettangolo 81">
+            <a:extLst>
+              <a:ext uri="{FF2B5EF4-FFF2-40B4-BE49-F238E27FC236}">
+                <a16:creationId xmlns:a16="http://schemas.microsoft.com/office/drawing/2014/main" id="{48FCD99B-7F20-477A-A46E-9E63695A5374}"/>
+              </a:ext>
+            </a:extLst>
+          </p:cNvPr>
+          <p:cNvSpPr/>
+          <p:nvPr/>
+        </p:nvSpPr>
+        <p:spPr>
+          <a:xfrm>
+            <a:off x="7346526" y="71022"/>
+            <a:ext cx="4763315" cy="606623"/>
+          </a:xfrm>
+          <a:prstGeom prst="rect">
+            <a:avLst/>
+          </a:prstGeom>
+          <a:solidFill>
+            <a:schemeClr val="accent4">
+              <a:lumMod val="20000"/>
+              <a:lumOff val="80000"/>
+            </a:schemeClr>
+          </a:solidFill>
+          <a:ln>
+            <a:solidFill>
+              <a:schemeClr val="accent4">
+                <a:lumMod val="75000"/>
+              </a:schemeClr>
+            </a:solidFill>
+          </a:ln>
+        </p:spPr>
+        <p:style>
+          <a:lnRef idx="2">
+            <a:schemeClr val="accent1">
+              <a:shade val="50000"/>
+            </a:schemeClr>
+          </a:lnRef>
+          <a:fillRef idx="1">
+            <a:schemeClr val="accent1"/>
+          </a:fillRef>
+          <a:effectRef idx="0">
+            <a:schemeClr val="accent1"/>
+          </a:effectRef>
+          <a:fontRef idx="minor">
+            <a:schemeClr val="lt1"/>
+          </a:fontRef>
+        </p:style>
+        <p:txBody>
+          <a:bodyPr rtlCol="0" anchor="ctr"/>
+          <a:lstStyle/>
+          <a:p>
+            <a:pPr algn="ctr"/>
+            <a:r>
+              <a:rPr lang="it-IT" b="1" dirty="0">
+                <a:solidFill>
+                  <a:schemeClr val="tx1"/>
+                </a:solidFill>
+              </a:rPr>
+              <a:t>Diagramma di flusso </a:t>
+            </a:r>
+            <a:r>
+              <a:rPr lang="it-IT" b="1" i="1" u="sng" dirty="0" err="1">
+                <a:solidFill>
+                  <a:schemeClr val="tx1"/>
+                </a:solidFill>
+              </a:rPr>
+              <a:t>Abstraction</a:t>
+            </a:r>
+            <a:r>
+              <a:rPr lang="it-IT" b="1" dirty="0">
+                <a:solidFill>
+                  <a:schemeClr val="tx1"/>
+                </a:solidFill>
+              </a:rPr>
+              <a:t> </a:t>
             </a:r>
           </a:p>
         </p:txBody>

--- a/flusso_prova.pptx
+++ b/flusso_prova.pptx
@@ -259,7 +259,7 @@
           <a:p>
             <a:fld id="{52D6866E-FFFD-494B-B057-7A4162712FFA}" type="datetimeFigureOut">
               <a:rPr lang="it-IT" smtClean="0"/>
-              <a:t>24/05/2023</a:t>
+              <a:t>25/05/2023</a:t>
             </a:fld>
             <a:endParaRPr lang="it-IT"/>
           </a:p>
@@ -457,7 +457,7 @@
           <a:p>
             <a:fld id="{52D6866E-FFFD-494B-B057-7A4162712FFA}" type="datetimeFigureOut">
               <a:rPr lang="it-IT" smtClean="0"/>
-              <a:t>24/05/2023</a:t>
+              <a:t>25/05/2023</a:t>
             </a:fld>
             <a:endParaRPr lang="it-IT"/>
           </a:p>
@@ -665,7 +665,7 @@
           <a:p>
             <a:fld id="{52D6866E-FFFD-494B-B057-7A4162712FFA}" type="datetimeFigureOut">
               <a:rPr lang="it-IT" smtClean="0"/>
-              <a:t>24/05/2023</a:t>
+              <a:t>25/05/2023</a:t>
             </a:fld>
             <a:endParaRPr lang="it-IT"/>
           </a:p>
@@ -863,7 +863,7 @@
           <a:p>
             <a:fld id="{52D6866E-FFFD-494B-B057-7A4162712FFA}" type="datetimeFigureOut">
               <a:rPr lang="it-IT" smtClean="0"/>
-              <a:t>24/05/2023</a:t>
+              <a:t>25/05/2023</a:t>
             </a:fld>
             <a:endParaRPr lang="it-IT"/>
           </a:p>
@@ -1138,7 +1138,7 @@
           <a:p>
             <a:fld id="{52D6866E-FFFD-494B-B057-7A4162712FFA}" type="datetimeFigureOut">
               <a:rPr lang="it-IT" smtClean="0"/>
-              <a:t>24/05/2023</a:t>
+              <a:t>25/05/2023</a:t>
             </a:fld>
             <a:endParaRPr lang="it-IT"/>
           </a:p>
@@ -1403,7 +1403,7 @@
           <a:p>
             <a:fld id="{52D6866E-FFFD-494B-B057-7A4162712FFA}" type="datetimeFigureOut">
               <a:rPr lang="it-IT" smtClean="0"/>
-              <a:t>24/05/2023</a:t>
+              <a:t>25/05/2023</a:t>
             </a:fld>
             <a:endParaRPr lang="it-IT"/>
           </a:p>
@@ -1815,7 +1815,7 @@
           <a:p>
             <a:fld id="{52D6866E-FFFD-494B-B057-7A4162712FFA}" type="datetimeFigureOut">
               <a:rPr lang="it-IT" smtClean="0"/>
-              <a:t>24/05/2023</a:t>
+              <a:t>25/05/2023</a:t>
             </a:fld>
             <a:endParaRPr lang="it-IT"/>
           </a:p>
@@ -1956,7 +1956,7 @@
           <a:p>
             <a:fld id="{52D6866E-FFFD-494B-B057-7A4162712FFA}" type="datetimeFigureOut">
               <a:rPr lang="it-IT" smtClean="0"/>
-              <a:t>24/05/2023</a:t>
+              <a:t>25/05/2023</a:t>
             </a:fld>
             <a:endParaRPr lang="it-IT"/>
           </a:p>
@@ -2069,7 +2069,7 @@
           <a:p>
             <a:fld id="{52D6866E-FFFD-494B-B057-7A4162712FFA}" type="datetimeFigureOut">
               <a:rPr lang="it-IT" smtClean="0"/>
-              <a:t>24/05/2023</a:t>
+              <a:t>25/05/2023</a:t>
             </a:fld>
             <a:endParaRPr lang="it-IT"/>
           </a:p>
@@ -2380,7 +2380,7 @@
           <a:p>
             <a:fld id="{52D6866E-FFFD-494B-B057-7A4162712FFA}" type="datetimeFigureOut">
               <a:rPr lang="it-IT" smtClean="0"/>
-              <a:t>24/05/2023</a:t>
+              <a:t>25/05/2023</a:t>
             </a:fld>
             <a:endParaRPr lang="it-IT"/>
           </a:p>
@@ -2668,7 +2668,7 @@
           <a:p>
             <a:fld id="{52D6866E-FFFD-494B-B057-7A4162712FFA}" type="datetimeFigureOut">
               <a:rPr lang="it-IT" smtClean="0"/>
-              <a:t>24/05/2023</a:t>
+              <a:t>25/05/2023</a:t>
             </a:fld>
             <a:endParaRPr lang="it-IT"/>
           </a:p>
@@ -2909,7 +2909,7 @@
           <a:p>
             <a:fld id="{52D6866E-FFFD-494B-B057-7A4162712FFA}" type="datetimeFigureOut">
               <a:rPr lang="it-IT" smtClean="0"/>
-              <a:t>24/05/2023</a:t>
+              <a:t>25/05/2023</a:t>
             </a:fld>
             <a:endParaRPr lang="it-IT"/>
           </a:p>
@@ -5809,6 +5809,201 @@
           </a:p>
         </p:txBody>
       </p:sp>
+      <p:sp>
+        <p:nvSpPr>
+          <p:cNvPr id="50" name="Rettangolo 49">
+            <a:extLst>
+              <a:ext uri="{FF2B5EF4-FFF2-40B4-BE49-F238E27FC236}">
+                <a16:creationId xmlns:a16="http://schemas.microsoft.com/office/drawing/2014/main" id="{8456A98C-1166-4FBB-8B56-5FF62EB37234}"/>
+              </a:ext>
+            </a:extLst>
+          </p:cNvPr>
+          <p:cNvSpPr/>
+          <p:nvPr/>
+        </p:nvSpPr>
+        <p:spPr>
+          <a:xfrm>
+            <a:off x="3525558" y="3231460"/>
+            <a:ext cx="936017" cy="417251"/>
+          </a:xfrm>
+          <a:prstGeom prst="rect">
+            <a:avLst/>
+          </a:prstGeom>
+          <a:solidFill>
+            <a:schemeClr val="accent6">
+              <a:lumMod val="60000"/>
+              <a:lumOff val="40000"/>
+            </a:schemeClr>
+          </a:solidFill>
+          <a:ln>
+            <a:solidFill>
+              <a:schemeClr val="tx1"/>
+            </a:solidFill>
+          </a:ln>
+        </p:spPr>
+        <p:style>
+          <a:lnRef idx="2">
+            <a:schemeClr val="accent1">
+              <a:shade val="50000"/>
+            </a:schemeClr>
+          </a:lnRef>
+          <a:fillRef idx="1">
+            <a:schemeClr val="accent1"/>
+          </a:fillRef>
+          <a:effectRef idx="0">
+            <a:schemeClr val="accent1"/>
+          </a:effectRef>
+          <a:fontRef idx="minor">
+            <a:schemeClr val="lt1"/>
+          </a:fontRef>
+        </p:style>
+        <p:txBody>
+          <a:bodyPr rtlCol="0" anchor="ctr"/>
+          <a:lstStyle/>
+          <a:p>
+            <a:pPr algn="ctr"/>
+            <a:r>
+              <a:rPr lang="it-IT" dirty="0">
+                <a:solidFill>
+                  <a:schemeClr val="tx1"/>
+                </a:solidFill>
+              </a:rPr>
+              <a:t>Indietro</a:t>
+            </a:r>
+          </a:p>
+        </p:txBody>
+      </p:sp>
+      <p:cxnSp>
+        <p:nvCxnSpPr>
+          <p:cNvPr id="51" name="Connettore 2 50">
+            <a:extLst>
+              <a:ext uri="{FF2B5EF4-FFF2-40B4-BE49-F238E27FC236}">
+                <a16:creationId xmlns:a16="http://schemas.microsoft.com/office/drawing/2014/main" id="{965AEAFC-B2BE-48EC-84E7-F65349B0FD13}"/>
+              </a:ext>
+            </a:extLst>
+          </p:cNvPr>
+          <p:cNvCxnSpPr>
+            <a:cxnSpLocks/>
+          </p:cNvCxnSpPr>
+          <p:nvPr/>
+        </p:nvCxnSpPr>
+        <p:spPr>
+          <a:xfrm flipH="1">
+            <a:off x="4546401" y="3426780"/>
+            <a:ext cx="370356" cy="0"/>
+          </a:xfrm>
+          <a:prstGeom prst="straightConnector1">
+            <a:avLst/>
+          </a:prstGeom>
+          <a:ln w="19050">
+            <a:solidFill>
+              <a:schemeClr val="tx1"/>
+            </a:solidFill>
+            <a:tailEnd type="triangle"/>
+          </a:ln>
+        </p:spPr>
+        <p:style>
+          <a:lnRef idx="1">
+            <a:schemeClr val="accent1"/>
+          </a:lnRef>
+          <a:fillRef idx="0">
+            <a:schemeClr val="accent1"/>
+          </a:fillRef>
+          <a:effectRef idx="0">
+            <a:schemeClr val="accent1"/>
+          </a:effectRef>
+          <a:fontRef idx="minor">
+            <a:schemeClr val="tx1"/>
+          </a:fontRef>
+        </p:style>
+      </p:cxnSp>
+      <p:cxnSp>
+        <p:nvCxnSpPr>
+          <p:cNvPr id="53" name="Connettore diritto 52">
+            <a:extLst>
+              <a:ext uri="{FF2B5EF4-FFF2-40B4-BE49-F238E27FC236}">
+                <a16:creationId xmlns:a16="http://schemas.microsoft.com/office/drawing/2014/main" id="{8710C358-54AB-4ABB-BB8E-D9939238AD5C}"/>
+              </a:ext>
+            </a:extLst>
+          </p:cNvPr>
+          <p:cNvCxnSpPr>
+            <a:cxnSpLocks/>
+          </p:cNvCxnSpPr>
+          <p:nvPr/>
+        </p:nvCxnSpPr>
+        <p:spPr>
+          <a:xfrm>
+            <a:off x="3980331" y="1659193"/>
+            <a:ext cx="24886" cy="1562459"/>
+          </a:xfrm>
+          <a:prstGeom prst="line">
+            <a:avLst/>
+          </a:prstGeom>
+          <a:ln w="28575">
+            <a:solidFill>
+              <a:schemeClr val="tx1"/>
+            </a:solidFill>
+          </a:ln>
+        </p:spPr>
+        <p:style>
+          <a:lnRef idx="1">
+            <a:schemeClr val="accent1"/>
+          </a:lnRef>
+          <a:fillRef idx="0">
+            <a:schemeClr val="accent1"/>
+          </a:fillRef>
+          <a:effectRef idx="0">
+            <a:schemeClr val="accent1"/>
+          </a:effectRef>
+          <a:fontRef idx="minor">
+            <a:schemeClr val="tx1"/>
+          </a:fontRef>
+        </p:style>
+      </p:cxnSp>
+      <p:cxnSp>
+        <p:nvCxnSpPr>
+          <p:cNvPr id="55" name="Connettore 2 54">
+            <a:extLst>
+              <a:ext uri="{FF2B5EF4-FFF2-40B4-BE49-F238E27FC236}">
+                <a16:creationId xmlns:a16="http://schemas.microsoft.com/office/drawing/2014/main" id="{72B32F91-7D15-4393-BE9C-0922E50373F3}"/>
+              </a:ext>
+            </a:extLst>
+          </p:cNvPr>
+          <p:cNvCxnSpPr>
+            <a:cxnSpLocks/>
+          </p:cNvCxnSpPr>
+          <p:nvPr/>
+        </p:nvCxnSpPr>
+        <p:spPr>
+          <a:xfrm>
+            <a:off x="3980331" y="1678427"/>
+            <a:ext cx="804733" cy="0"/>
+          </a:xfrm>
+          <a:prstGeom prst="straightConnector1">
+            <a:avLst/>
+          </a:prstGeom>
+          <a:ln w="28575">
+            <a:solidFill>
+              <a:schemeClr val="tx1"/>
+            </a:solidFill>
+            <a:tailEnd type="triangle"/>
+          </a:ln>
+        </p:spPr>
+        <p:style>
+          <a:lnRef idx="1">
+            <a:schemeClr val="accent1"/>
+          </a:lnRef>
+          <a:fillRef idx="0">
+            <a:schemeClr val="accent1"/>
+          </a:fillRef>
+          <a:effectRef idx="0">
+            <a:schemeClr val="accent1"/>
+          </a:effectRef>
+          <a:fontRef idx="minor">
+            <a:schemeClr val="tx1"/>
+          </a:fontRef>
+        </p:style>
+      </p:cxnSp>
     </p:spTree>
     <p:extLst>
       <p:ext uri="{BB962C8B-B14F-4D97-AF65-F5344CB8AC3E}">

--- a/flusso_prova.pptx
+++ b/flusso_prova.pptx
@@ -3342,8 +3342,8 @@
         </p:nvCxnSpPr>
         <p:spPr>
           <a:xfrm>
-            <a:off x="5622151" y="4714042"/>
-            <a:ext cx="20713" cy="1619270"/>
+            <a:off x="6798084" y="3836612"/>
+            <a:ext cx="25514" cy="2496700"/>
           </a:xfrm>
           <a:prstGeom prst="line">
             <a:avLst/>
@@ -3385,8 +3385,8 @@
         </p:nvCxnSpPr>
         <p:spPr>
           <a:xfrm>
-            <a:off x="7346526" y="4714042"/>
-            <a:ext cx="20713" cy="1619270"/>
+            <a:off x="7992682" y="3826262"/>
+            <a:ext cx="22631" cy="2507050"/>
           </a:xfrm>
           <a:prstGeom prst="line">
             <a:avLst/>
@@ -3428,8 +3428,8 @@
         </p:nvCxnSpPr>
         <p:spPr>
           <a:xfrm>
-            <a:off x="8777203" y="4714042"/>
-            <a:ext cx="20713" cy="1619270"/>
+            <a:off x="9237078" y="3843628"/>
+            <a:ext cx="22483" cy="2489684"/>
           </a:xfrm>
           <a:prstGeom prst="line">
             <a:avLst/>
@@ -3471,8 +3471,8 @@
         </p:nvCxnSpPr>
         <p:spPr>
           <a:xfrm>
-            <a:off x="10356546" y="4714042"/>
-            <a:ext cx="20713" cy="1619270"/>
+            <a:off x="10377259" y="3800417"/>
+            <a:ext cx="0" cy="2532895"/>
           </a:xfrm>
           <a:prstGeom prst="line">
             <a:avLst/>
@@ -3659,7 +3659,7 @@
                   <a:schemeClr val="tx1"/>
                 </a:solidFill>
               </a:rPr>
-              <a:t>Cosa fare</a:t>
+              <a:t>Menù 1</a:t>
             </a:r>
           </a:p>
         </p:txBody>
@@ -3767,8 +3767,8 @@
         </p:nvCxnSpPr>
         <p:spPr>
           <a:xfrm flipH="1">
-            <a:off x="1768409" y="2334820"/>
-            <a:ext cx="3844501" cy="13323"/>
+            <a:off x="1382338" y="2334820"/>
+            <a:ext cx="4230573" cy="14661"/>
           </a:xfrm>
           <a:prstGeom prst="line">
             <a:avLst/>
@@ -3960,7 +3960,7 @@
         </p:nvCxnSpPr>
         <p:spPr>
           <a:xfrm>
-            <a:off x="1772959" y="2357013"/>
+            <a:off x="1382338" y="2357013"/>
             <a:ext cx="13316" cy="559293"/>
           </a:xfrm>
           <a:prstGeom prst="straightConnector1">
@@ -4002,7 +4002,7 @@
         </p:nvSpPr>
         <p:spPr>
           <a:xfrm>
-            <a:off x="1133384" y="3009529"/>
+            <a:off x="742763" y="3009529"/>
             <a:ext cx="1447061" cy="417251"/>
           </a:xfrm>
           <a:prstGeom prst="rect">
@@ -4175,7 +4175,7 @@
                   <a:schemeClr val="tx1"/>
                 </a:solidFill>
               </a:rPr>
-              <a:t>Log in (1)</a:t>
+              <a:t>Log in </a:t>
             </a:r>
           </a:p>
         </p:txBody>
@@ -4196,7 +4196,7 @@
         </p:nvCxnSpPr>
         <p:spPr>
           <a:xfrm>
-            <a:off x="1786275" y="3426780"/>
+            <a:off x="1395654" y="3426780"/>
             <a:ext cx="0" cy="497142"/>
           </a:xfrm>
           <a:prstGeom prst="line">
@@ -4281,7 +4281,7 @@
         </p:nvSpPr>
         <p:spPr>
           <a:xfrm>
-            <a:off x="979883" y="3923922"/>
+            <a:off x="589262" y="3923922"/>
             <a:ext cx="1590579" cy="1437074"/>
           </a:xfrm>
           <a:prstGeom prst="diamond">
@@ -4348,8 +4348,8 @@
         </p:nvCxnSpPr>
         <p:spPr>
           <a:xfrm flipH="1" flipV="1">
-            <a:off x="355107" y="4634145"/>
-            <a:ext cx="624776" cy="8314"/>
+            <a:off x="355107" y="4638303"/>
+            <a:ext cx="234155" cy="4156"/>
           </a:xfrm>
           <a:prstGeom prst="line">
             <a:avLst/>
@@ -4434,8 +4434,8 @@
         </p:nvCxnSpPr>
         <p:spPr>
           <a:xfrm flipH="1">
-            <a:off x="2849732" y="3826262"/>
-            <a:ext cx="7617042" cy="10350"/>
+            <a:off x="2849733" y="3801505"/>
+            <a:ext cx="7527526" cy="35107"/>
           </a:xfrm>
           <a:prstGeom prst="line">
             <a:avLst/>
@@ -4564,140 +4564,11 @@
                   <a:schemeClr val="tx1"/>
                 </a:solidFill>
               </a:rPr>
-              <a:t>Cosa fare</a:t>
-            </a:r>
-          </a:p>
-        </p:txBody>
-      </p:sp>
-      <p:cxnSp>
-        <p:nvCxnSpPr>
-          <p:cNvPr id="42" name="Connettore diritto 41">
-            <a:extLst>
-              <a:ext uri="{FF2B5EF4-FFF2-40B4-BE49-F238E27FC236}">
-                <a16:creationId xmlns:a16="http://schemas.microsoft.com/office/drawing/2014/main" id="{CEA36A92-EC0E-41AE-877C-79CA4229608B}"/>
-              </a:ext>
-            </a:extLst>
-          </p:cNvPr>
-          <p:cNvCxnSpPr>
-            <a:cxnSpLocks/>
-          </p:cNvCxnSpPr>
-          <p:nvPr/>
-        </p:nvCxnSpPr>
-        <p:spPr>
-          <a:xfrm>
-            <a:off x="4353758" y="3826262"/>
-            <a:ext cx="0" cy="353259"/>
-          </a:xfrm>
-          <a:prstGeom prst="line">
-            <a:avLst/>
-          </a:prstGeom>
-          <a:ln w="28575">
-            <a:solidFill>
-              <a:schemeClr val="tx1"/>
-            </a:solidFill>
-          </a:ln>
-        </p:spPr>
-        <p:style>
-          <a:lnRef idx="1">
-            <a:schemeClr val="accent1"/>
-          </a:lnRef>
-          <a:fillRef idx="0">
-            <a:schemeClr val="accent1"/>
-          </a:fillRef>
-          <a:effectRef idx="0">
-            <a:schemeClr val="accent1"/>
-          </a:effectRef>
-          <a:fontRef idx="minor">
-            <a:schemeClr val="tx1"/>
-          </a:fontRef>
-        </p:style>
-      </p:cxnSp>
-      <p:cxnSp>
-        <p:nvCxnSpPr>
-          <p:cNvPr id="44" name="Connettore diritto 43">
-            <a:extLst>
-              <a:ext uri="{FF2B5EF4-FFF2-40B4-BE49-F238E27FC236}">
-                <a16:creationId xmlns:a16="http://schemas.microsoft.com/office/drawing/2014/main" id="{EA1A9C8C-CEFC-4C1A-B24E-DA6E106D7A7C}"/>
-              </a:ext>
-            </a:extLst>
-          </p:cNvPr>
-          <p:cNvCxnSpPr>
-            <a:cxnSpLocks/>
-          </p:cNvCxnSpPr>
-          <p:nvPr/>
-        </p:nvCxnSpPr>
-        <p:spPr>
-          <a:xfrm>
-            <a:off x="5700211" y="3806645"/>
-            <a:ext cx="0" cy="372876"/>
-          </a:xfrm>
-          <a:prstGeom prst="line">
-            <a:avLst/>
-          </a:prstGeom>
-          <a:ln w="28575">
-            <a:solidFill>
-              <a:schemeClr val="tx1"/>
-            </a:solidFill>
-          </a:ln>
-        </p:spPr>
-        <p:style>
-          <a:lnRef idx="1">
-            <a:schemeClr val="accent1"/>
-          </a:lnRef>
-          <a:fillRef idx="0">
-            <a:schemeClr val="accent1"/>
-          </a:fillRef>
-          <a:effectRef idx="0">
-            <a:schemeClr val="accent1"/>
-          </a:effectRef>
-          <a:fontRef idx="minor">
-            <a:schemeClr val="tx1"/>
-          </a:fontRef>
-        </p:style>
-      </p:cxnSp>
-      <p:cxnSp>
-        <p:nvCxnSpPr>
-          <p:cNvPr id="45" name="Connettore diritto 44">
-            <a:extLst>
-              <a:ext uri="{FF2B5EF4-FFF2-40B4-BE49-F238E27FC236}">
-                <a16:creationId xmlns:a16="http://schemas.microsoft.com/office/drawing/2014/main" id="{32F32084-1BC5-4FD5-81E0-EC1B5902572B}"/>
-              </a:ext>
-            </a:extLst>
-          </p:cNvPr>
-          <p:cNvCxnSpPr>
-            <a:cxnSpLocks/>
-          </p:cNvCxnSpPr>
-          <p:nvPr/>
-        </p:nvCxnSpPr>
-        <p:spPr>
-          <a:xfrm>
-            <a:off x="8882480" y="3806645"/>
-            <a:ext cx="0" cy="372876"/>
-          </a:xfrm>
-          <a:prstGeom prst="line">
-            <a:avLst/>
-          </a:prstGeom>
-          <a:ln w="28575">
-            <a:solidFill>
-              <a:schemeClr val="tx1"/>
-            </a:solidFill>
-          </a:ln>
-        </p:spPr>
-        <p:style>
-          <a:lnRef idx="1">
-            <a:schemeClr val="accent1"/>
-          </a:lnRef>
-          <a:fillRef idx="0">
-            <a:schemeClr val="accent1"/>
-          </a:fillRef>
-          <a:effectRef idx="0">
-            <a:schemeClr val="accent1"/>
-          </a:effectRef>
-          <a:fontRef idx="minor">
-            <a:schemeClr val="tx1"/>
-          </a:fontRef>
-        </p:style>
-      </p:cxnSp>
+              <a:t>Menù 2</a:t>
+            </a:r>
+          </a:p>
+        </p:txBody>
+      </p:sp>
       <p:sp>
         <p:nvSpPr>
           <p:cNvPr id="46" name="Rettangolo 45">
@@ -4712,7 +4583,7 @@
         </p:nvSpPr>
         <p:spPr>
           <a:xfrm>
-            <a:off x="8400134" y="4185789"/>
+            <a:off x="8799633" y="4709574"/>
             <a:ext cx="964693" cy="670293"/>
           </a:xfrm>
           <a:prstGeom prst="rect">
@@ -4787,7 +4658,7 @@
         </p:nvSpPr>
         <p:spPr>
           <a:xfrm>
-            <a:off x="5196022" y="4193205"/>
+            <a:off x="6332366" y="4716990"/>
             <a:ext cx="1024994" cy="666976"/>
           </a:xfrm>
           <a:prstGeom prst="rect">
@@ -4850,10 +4721,10 @@
       </p:sp>
       <p:sp>
         <p:nvSpPr>
-          <p:cNvPr id="48" name="Rettangolo 47">
-            <a:extLst>
-              <a:ext uri="{FF2B5EF4-FFF2-40B4-BE49-F238E27FC236}">
-                <a16:creationId xmlns:a16="http://schemas.microsoft.com/office/drawing/2014/main" id="{667D94FD-5B83-4332-9FD3-6E4195634804}"/>
+          <p:cNvPr id="37" name="Rettangolo 36">
+            <a:extLst>
+              <a:ext uri="{FF2B5EF4-FFF2-40B4-BE49-F238E27FC236}">
+                <a16:creationId xmlns:a16="http://schemas.microsoft.com/office/drawing/2014/main" id="{3E2BF50D-739F-481E-B0DE-1B50FB76934C}"/>
               </a:ext>
             </a:extLst>
           </p:cNvPr>
@@ -4862,8 +4733,8 @@
         </p:nvSpPr>
         <p:spPr>
           <a:xfrm>
-            <a:off x="3881400" y="4185782"/>
-            <a:ext cx="1014635" cy="528260"/>
+            <a:off x="7557320" y="4710322"/>
+            <a:ext cx="946551" cy="670294"/>
           </a:xfrm>
           <a:prstGeom prst="rect">
             <a:avLst/>
@@ -4907,7 +4778,7 @@
                   <a:schemeClr val="tx1"/>
                 </a:solidFill>
               </a:rPr>
-              <a:t>Cancella </a:t>
+              <a:t>Rimuovi</a:t>
             </a:r>
           </a:p>
           <a:p>
@@ -4918,103 +4789,17 @@
                   <a:schemeClr val="tx1"/>
                 </a:solidFill>
               </a:rPr>
-              <a:t>post</a:t>
-            </a:r>
-          </a:p>
-        </p:txBody>
-      </p:sp>
-      <p:cxnSp>
-        <p:nvCxnSpPr>
-          <p:cNvPr id="33" name="Connettore diritto 32">
-            <a:extLst>
-              <a:ext uri="{FF2B5EF4-FFF2-40B4-BE49-F238E27FC236}">
-                <a16:creationId xmlns:a16="http://schemas.microsoft.com/office/drawing/2014/main" id="{9D644611-4D27-414B-B269-AD7E04D179E8}"/>
-              </a:ext>
-            </a:extLst>
-          </p:cNvPr>
-          <p:cNvCxnSpPr>
-            <a:cxnSpLocks/>
-          </p:cNvCxnSpPr>
-          <p:nvPr/>
-        </p:nvCxnSpPr>
-        <p:spPr>
-          <a:xfrm>
-            <a:off x="10451977" y="3826262"/>
-            <a:ext cx="0" cy="372876"/>
-          </a:xfrm>
-          <a:prstGeom prst="line">
-            <a:avLst/>
-          </a:prstGeom>
-          <a:ln w="28575">
-            <a:solidFill>
-              <a:schemeClr val="tx1"/>
-            </a:solidFill>
-          </a:ln>
-        </p:spPr>
-        <p:style>
-          <a:lnRef idx="1">
-            <a:schemeClr val="accent1"/>
-          </a:lnRef>
-          <a:fillRef idx="0">
-            <a:schemeClr val="accent1"/>
-          </a:fillRef>
-          <a:effectRef idx="0">
-            <a:schemeClr val="accent1"/>
-          </a:effectRef>
-          <a:fontRef idx="minor">
-            <a:schemeClr val="tx1"/>
-          </a:fontRef>
-        </p:style>
-      </p:cxnSp>
-      <p:cxnSp>
-        <p:nvCxnSpPr>
-          <p:cNvPr id="36" name="Connettore diritto 35">
-            <a:extLst>
-              <a:ext uri="{FF2B5EF4-FFF2-40B4-BE49-F238E27FC236}">
-                <a16:creationId xmlns:a16="http://schemas.microsoft.com/office/drawing/2014/main" id="{F6B6C701-EB77-412B-BDD8-5D6BBB2A888B}"/>
-              </a:ext>
-            </a:extLst>
-          </p:cNvPr>
-          <p:cNvCxnSpPr>
-            <a:cxnSpLocks/>
-          </p:cNvCxnSpPr>
-          <p:nvPr/>
-        </p:nvCxnSpPr>
-        <p:spPr>
-          <a:xfrm>
-            <a:off x="7387701" y="3836612"/>
-            <a:ext cx="0" cy="372876"/>
-          </a:xfrm>
-          <a:prstGeom prst="line">
-            <a:avLst/>
-          </a:prstGeom>
-          <a:ln w="28575">
-            <a:solidFill>
-              <a:schemeClr val="tx1"/>
-            </a:solidFill>
-          </a:ln>
-        </p:spPr>
-        <p:style>
-          <a:lnRef idx="1">
-            <a:schemeClr val="accent1"/>
-          </a:lnRef>
-          <a:fillRef idx="0">
-            <a:schemeClr val="accent1"/>
-          </a:fillRef>
-          <a:effectRef idx="0">
-            <a:schemeClr val="accent1"/>
-          </a:effectRef>
-          <a:fontRef idx="minor">
-            <a:schemeClr val="tx1"/>
-          </a:fontRef>
-        </p:style>
-      </p:cxnSp>
-      <p:sp>
-        <p:nvSpPr>
-          <p:cNvPr id="37" name="Rettangolo 36">
-            <a:extLst>
-              <a:ext uri="{FF2B5EF4-FFF2-40B4-BE49-F238E27FC236}">
-                <a16:creationId xmlns:a16="http://schemas.microsoft.com/office/drawing/2014/main" id="{3E2BF50D-739F-481E-B0DE-1B50FB76934C}"/>
+              <a:t>Amici</a:t>
+            </a:r>
+          </a:p>
+        </p:txBody>
+      </p:sp>
+      <p:sp>
+        <p:nvSpPr>
+          <p:cNvPr id="39" name="Rettangolo 38">
+            <a:extLst>
+              <a:ext uri="{FF2B5EF4-FFF2-40B4-BE49-F238E27FC236}">
+                <a16:creationId xmlns:a16="http://schemas.microsoft.com/office/drawing/2014/main" id="{A3620CC8-B5F4-4314-93AA-68998350ADB7}"/>
               </a:ext>
             </a:extLst>
           </p:cNvPr>
@@ -5023,8 +4808,8 @@
         </p:nvSpPr>
         <p:spPr>
           <a:xfrm>
-            <a:off x="6944758" y="4186537"/>
-            <a:ext cx="946551" cy="670294"/>
+            <a:off x="9955957" y="4733273"/>
+            <a:ext cx="964693" cy="646598"/>
           </a:xfrm>
           <a:prstGeom prst="rect">
             <a:avLst/>
@@ -5068,7 +4853,7 @@
                   <a:schemeClr val="tx1"/>
                 </a:solidFill>
               </a:rPr>
-              <a:t>Rimuovi</a:t>
+              <a:t>Lista</a:t>
             </a:r>
           </a:p>
           <a:p>
@@ -5084,12 +4869,98 @@
           </a:p>
         </p:txBody>
       </p:sp>
-      <p:sp>
-        <p:nvSpPr>
-          <p:cNvPr id="39" name="Rettangolo 38">
-            <a:extLst>
-              <a:ext uri="{FF2B5EF4-FFF2-40B4-BE49-F238E27FC236}">
-                <a16:creationId xmlns:a16="http://schemas.microsoft.com/office/drawing/2014/main" id="{A3620CC8-B5F4-4314-93AA-68998350ADB7}"/>
+      <p:cxnSp>
+        <p:nvCxnSpPr>
+          <p:cNvPr id="40" name="Connettore diritto 39">
+            <a:extLst>
+              <a:ext uri="{FF2B5EF4-FFF2-40B4-BE49-F238E27FC236}">
+                <a16:creationId xmlns:a16="http://schemas.microsoft.com/office/drawing/2014/main" id="{C9F71315-E3BA-4FCE-8944-0470015F3355}"/>
+              </a:ext>
+            </a:extLst>
+          </p:cNvPr>
+          <p:cNvCxnSpPr>
+            <a:cxnSpLocks/>
+          </p:cNvCxnSpPr>
+          <p:nvPr/>
+        </p:nvCxnSpPr>
+        <p:spPr>
+          <a:xfrm>
+            <a:off x="4444563" y="3800417"/>
+            <a:ext cx="0" cy="1228021"/>
+          </a:xfrm>
+          <a:prstGeom prst="line">
+            <a:avLst/>
+          </a:prstGeom>
+          <a:ln w="28575">
+            <a:solidFill>
+              <a:schemeClr val="tx1"/>
+            </a:solidFill>
+          </a:ln>
+        </p:spPr>
+        <p:style>
+          <a:lnRef idx="1">
+            <a:schemeClr val="accent1"/>
+          </a:lnRef>
+          <a:fillRef idx="0">
+            <a:schemeClr val="accent1"/>
+          </a:fillRef>
+          <a:effectRef idx="0">
+            <a:schemeClr val="accent1"/>
+          </a:effectRef>
+          <a:fontRef idx="minor">
+            <a:schemeClr val="tx1"/>
+          </a:fontRef>
+        </p:style>
+      </p:cxnSp>
+      <p:cxnSp>
+        <p:nvCxnSpPr>
+          <p:cNvPr id="41" name="Connettore diritto 40">
+            <a:extLst>
+              <a:ext uri="{FF2B5EF4-FFF2-40B4-BE49-F238E27FC236}">
+                <a16:creationId xmlns:a16="http://schemas.microsoft.com/office/drawing/2014/main" id="{F546D00B-7A70-4B58-BFFF-A42C64A24788}"/>
+              </a:ext>
+            </a:extLst>
+          </p:cNvPr>
+          <p:cNvCxnSpPr>
+            <a:cxnSpLocks/>
+          </p:cNvCxnSpPr>
+          <p:nvPr/>
+        </p:nvCxnSpPr>
+        <p:spPr>
+          <a:xfrm>
+            <a:off x="2849732" y="3843628"/>
+            <a:ext cx="31380" cy="2478278"/>
+          </a:xfrm>
+          <a:prstGeom prst="line">
+            <a:avLst/>
+          </a:prstGeom>
+          <a:ln w="28575">
+            <a:solidFill>
+              <a:schemeClr val="tx1"/>
+            </a:solidFill>
+          </a:ln>
+        </p:spPr>
+        <p:style>
+          <a:lnRef idx="1">
+            <a:schemeClr val="accent1"/>
+          </a:lnRef>
+          <a:fillRef idx="0">
+            <a:schemeClr val="accent1"/>
+          </a:fillRef>
+          <a:effectRef idx="0">
+            <a:schemeClr val="accent1"/>
+          </a:effectRef>
+          <a:fontRef idx="minor">
+            <a:schemeClr val="tx1"/>
+          </a:fontRef>
+        </p:style>
+      </p:cxnSp>
+      <p:sp>
+        <p:nvSpPr>
+          <p:cNvPr id="49" name="Rettangolo 48">
+            <a:extLst>
+              <a:ext uri="{FF2B5EF4-FFF2-40B4-BE49-F238E27FC236}">
+                <a16:creationId xmlns:a16="http://schemas.microsoft.com/office/drawing/2014/main" id="{D6832DBE-583B-400C-ABA9-9F7D81CA3379}"/>
               </a:ext>
             </a:extLst>
           </p:cNvPr>
@@ -5098,8 +4969,8 @@
         </p:nvSpPr>
         <p:spPr>
           <a:xfrm>
-            <a:off x="9955957" y="4209488"/>
-            <a:ext cx="964693" cy="646598"/>
+            <a:off x="2325901" y="4703306"/>
+            <a:ext cx="1332941" cy="528260"/>
           </a:xfrm>
           <a:prstGeom prst="rect">
             <a:avLst/>
@@ -5143,231 +5014,6 @@
                   <a:schemeClr val="tx1"/>
                 </a:solidFill>
               </a:rPr>
-              <a:t>Lista</a:t>
-            </a:r>
-          </a:p>
-          <a:p>
-            <a:pPr algn="ctr"/>
-            <a:r>
-              <a:rPr lang="it-IT" dirty="0">
-                <a:solidFill>
-                  <a:schemeClr val="tx1"/>
-                </a:solidFill>
-              </a:rPr>
-              <a:t>Amici</a:t>
-            </a:r>
-          </a:p>
-        </p:txBody>
-      </p:sp>
-      <p:cxnSp>
-        <p:nvCxnSpPr>
-          <p:cNvPr id="40" name="Connettore diritto 39">
-            <a:extLst>
-              <a:ext uri="{FF2B5EF4-FFF2-40B4-BE49-F238E27FC236}">
-                <a16:creationId xmlns:a16="http://schemas.microsoft.com/office/drawing/2014/main" id="{C9F71315-E3BA-4FCE-8944-0470015F3355}"/>
-              </a:ext>
-            </a:extLst>
-          </p:cNvPr>
-          <p:cNvCxnSpPr>
-            <a:cxnSpLocks/>
-          </p:cNvCxnSpPr>
-          <p:nvPr/>
-        </p:nvCxnSpPr>
-        <p:spPr>
-          <a:xfrm>
-            <a:off x="3494105" y="3843628"/>
-            <a:ext cx="12951" cy="1012454"/>
-          </a:xfrm>
-          <a:prstGeom prst="line">
-            <a:avLst/>
-          </a:prstGeom>
-          <a:ln w="28575">
-            <a:solidFill>
-              <a:schemeClr val="tx1"/>
-            </a:solidFill>
-          </a:ln>
-        </p:spPr>
-        <p:style>
-          <a:lnRef idx="1">
-            <a:schemeClr val="accent1"/>
-          </a:lnRef>
-          <a:fillRef idx="0">
-            <a:schemeClr val="accent1"/>
-          </a:fillRef>
-          <a:effectRef idx="0">
-            <a:schemeClr val="accent1"/>
-          </a:effectRef>
-          <a:fontRef idx="minor">
-            <a:schemeClr val="tx1"/>
-          </a:fontRef>
-        </p:style>
-      </p:cxnSp>
-      <p:cxnSp>
-        <p:nvCxnSpPr>
-          <p:cNvPr id="41" name="Connettore diritto 40">
-            <a:extLst>
-              <a:ext uri="{FF2B5EF4-FFF2-40B4-BE49-F238E27FC236}">
-                <a16:creationId xmlns:a16="http://schemas.microsoft.com/office/drawing/2014/main" id="{F546D00B-7A70-4B58-BFFF-A42C64A24788}"/>
-              </a:ext>
-            </a:extLst>
-          </p:cNvPr>
-          <p:cNvCxnSpPr>
-            <a:cxnSpLocks/>
-          </p:cNvCxnSpPr>
-          <p:nvPr/>
-        </p:nvCxnSpPr>
-        <p:spPr>
-          <a:xfrm>
-            <a:off x="2849732" y="3843628"/>
-            <a:ext cx="19236" cy="1663468"/>
-          </a:xfrm>
-          <a:prstGeom prst="line">
-            <a:avLst/>
-          </a:prstGeom>
-          <a:ln w="28575">
-            <a:solidFill>
-              <a:schemeClr val="tx1"/>
-            </a:solidFill>
-          </a:ln>
-        </p:spPr>
-        <p:style>
-          <a:lnRef idx="1">
-            <a:schemeClr val="accent1"/>
-          </a:lnRef>
-          <a:fillRef idx="0">
-            <a:schemeClr val="accent1"/>
-          </a:fillRef>
-          <a:effectRef idx="0">
-            <a:schemeClr val="accent1"/>
-          </a:effectRef>
-          <a:fontRef idx="minor">
-            <a:schemeClr val="tx1"/>
-          </a:fontRef>
-        </p:style>
-      </p:cxnSp>
-      <p:sp>
-        <p:nvSpPr>
-          <p:cNvPr id="43" name="Rettangolo 42">
-            <a:extLst>
-              <a:ext uri="{FF2B5EF4-FFF2-40B4-BE49-F238E27FC236}">
-                <a16:creationId xmlns:a16="http://schemas.microsoft.com/office/drawing/2014/main" id="{AF512273-507F-4A91-B11A-BED225F0431F}"/>
-              </a:ext>
-            </a:extLst>
-          </p:cNvPr>
-          <p:cNvSpPr/>
-          <p:nvPr/>
-        </p:nvSpPr>
-        <p:spPr>
-          <a:xfrm>
-            <a:off x="3033780" y="4764051"/>
-            <a:ext cx="946551" cy="528260"/>
-          </a:xfrm>
-          <a:prstGeom prst="rect">
-            <a:avLst/>
-          </a:prstGeom>
-          <a:solidFill>
-            <a:schemeClr val="accent6">
-              <a:lumMod val="60000"/>
-              <a:lumOff val="40000"/>
-            </a:schemeClr>
-          </a:solidFill>
-          <a:ln>
-            <a:solidFill>
-              <a:schemeClr val="tx1"/>
-            </a:solidFill>
-          </a:ln>
-        </p:spPr>
-        <p:style>
-          <a:lnRef idx="2">
-            <a:schemeClr val="accent1">
-              <a:shade val="50000"/>
-            </a:schemeClr>
-          </a:lnRef>
-          <a:fillRef idx="1">
-            <a:schemeClr val="accent1"/>
-          </a:fillRef>
-          <a:effectRef idx="0">
-            <a:schemeClr val="accent1"/>
-          </a:effectRef>
-          <a:fontRef idx="minor">
-            <a:schemeClr val="lt1"/>
-          </a:fontRef>
-        </p:style>
-        <p:txBody>
-          <a:bodyPr rtlCol="0" anchor="ctr"/>
-          <a:lstStyle/>
-          <a:p>
-            <a:pPr algn="ctr"/>
-            <a:r>
-              <a:rPr lang="it-IT" dirty="0">
-                <a:solidFill>
-                  <a:schemeClr val="tx1"/>
-                </a:solidFill>
-              </a:rPr>
-              <a:t>Crea Post</a:t>
-            </a:r>
-          </a:p>
-        </p:txBody>
-      </p:sp>
-      <p:sp>
-        <p:nvSpPr>
-          <p:cNvPr id="49" name="Rettangolo 48">
-            <a:extLst>
-              <a:ext uri="{FF2B5EF4-FFF2-40B4-BE49-F238E27FC236}">
-                <a16:creationId xmlns:a16="http://schemas.microsoft.com/office/drawing/2014/main" id="{D6832DBE-583B-400C-ABA9-9F7D81CA3379}"/>
-              </a:ext>
-            </a:extLst>
-          </p:cNvPr>
-          <p:cNvSpPr/>
-          <p:nvPr/>
-        </p:nvSpPr>
-        <p:spPr>
-          <a:xfrm>
-            <a:off x="2342414" y="5507096"/>
-            <a:ext cx="1332941" cy="528260"/>
-          </a:xfrm>
-          <a:prstGeom prst="rect">
-            <a:avLst/>
-          </a:prstGeom>
-          <a:solidFill>
-            <a:schemeClr val="accent6">
-              <a:lumMod val="60000"/>
-              <a:lumOff val="40000"/>
-            </a:schemeClr>
-          </a:solidFill>
-          <a:ln>
-            <a:solidFill>
-              <a:schemeClr val="tx1"/>
-            </a:solidFill>
-          </a:ln>
-        </p:spPr>
-        <p:style>
-          <a:lnRef idx="2">
-            <a:schemeClr val="accent1">
-              <a:shade val="50000"/>
-            </a:schemeClr>
-          </a:lnRef>
-          <a:fillRef idx="1">
-            <a:schemeClr val="accent1"/>
-          </a:fillRef>
-          <a:effectRef idx="0">
-            <a:schemeClr val="accent1"/>
-          </a:effectRef>
-          <a:fontRef idx="minor">
-            <a:schemeClr val="lt1"/>
-          </a:fontRef>
-        </p:style>
-        <p:txBody>
-          <a:bodyPr rtlCol="0" anchor="ctr"/>
-          <a:lstStyle/>
-          <a:p>
-            <a:pPr algn="ctr"/>
-            <a:r>
-              <a:rPr lang="it-IT" dirty="0">
-                <a:solidFill>
-                  <a:schemeClr val="tx1"/>
-                </a:solidFill>
-              </a:rPr>
               <a:t>Commenta </a:t>
             </a:r>
           </a:p>
@@ -5400,8 +5046,8 @@
         </p:nvCxnSpPr>
         <p:spPr>
           <a:xfrm>
-            <a:off x="3835870" y="5320858"/>
-            <a:ext cx="12951" cy="1012454"/>
+            <a:off x="4434725" y="3843628"/>
+            <a:ext cx="3367" cy="2468011"/>
           </a:xfrm>
           <a:prstGeom prst="line">
             <a:avLst/>
@@ -5443,8 +5089,8 @@
         </p:nvCxnSpPr>
         <p:spPr>
           <a:xfrm>
-            <a:off x="4379444" y="4714042"/>
-            <a:ext cx="20713" cy="1619270"/>
+            <a:off x="5690960" y="3811602"/>
+            <a:ext cx="14215" cy="2521710"/>
           </a:xfrm>
           <a:prstGeom prst="line">
             <a:avLst/>
@@ -5515,49 +5161,6 @@
       </p:cxnSp>
       <p:cxnSp>
         <p:nvCxnSpPr>
-          <p:cNvPr id="66" name="Connettore diritto 65">
-            <a:extLst>
-              <a:ext uri="{FF2B5EF4-FFF2-40B4-BE49-F238E27FC236}">
-                <a16:creationId xmlns:a16="http://schemas.microsoft.com/office/drawing/2014/main" id="{37CD57FE-DD4E-44F8-BD06-41564F810E6A}"/>
-              </a:ext>
-            </a:extLst>
-          </p:cNvPr>
-          <p:cNvCxnSpPr>
-            <a:cxnSpLocks/>
-          </p:cNvCxnSpPr>
-          <p:nvPr/>
-        </p:nvCxnSpPr>
-        <p:spPr>
-          <a:xfrm>
-            <a:off x="2833456" y="6035356"/>
-            <a:ext cx="5507" cy="305151"/>
-          </a:xfrm>
-          <a:prstGeom prst="line">
-            <a:avLst/>
-          </a:prstGeom>
-          <a:ln w="28575">
-            <a:solidFill>
-              <a:schemeClr val="tx1"/>
-            </a:solidFill>
-          </a:ln>
-        </p:spPr>
-        <p:style>
-          <a:lnRef idx="1">
-            <a:schemeClr val="accent1"/>
-          </a:lnRef>
-          <a:fillRef idx="0">
-            <a:schemeClr val="accent1"/>
-          </a:fillRef>
-          <a:effectRef idx="0">
-            <a:schemeClr val="accent1"/>
-          </a:effectRef>
-          <a:fontRef idx="minor">
-            <a:schemeClr val="tx1"/>
-          </a:fontRef>
-        </p:style>
-      </p:cxnSp>
-      <p:cxnSp>
-        <p:nvCxnSpPr>
           <p:cNvPr id="68" name="Connettore diritto 67">
             <a:extLst>
               <a:ext uri="{FF2B5EF4-FFF2-40B4-BE49-F238E27FC236}">
@@ -5657,7 +5260,7 @@
         </p:nvCxnSpPr>
         <p:spPr>
           <a:xfrm>
-            <a:off x="5640584" y="6311639"/>
+            <a:off x="5711605" y="6311639"/>
             <a:ext cx="5507" cy="305151"/>
           </a:xfrm>
           <a:prstGeom prst="line">
@@ -5699,9 +5302,9 @@
           <p:nvPr/>
         </p:nvCxnSpPr>
         <p:spPr>
-          <a:xfrm flipH="1" flipV="1">
-            <a:off x="5640586" y="6598189"/>
-            <a:ext cx="5517698" cy="12167"/>
+          <a:xfrm flipH="1">
+            <a:off x="5705175" y="6610357"/>
+            <a:ext cx="5453110" cy="16783"/>
           </a:xfrm>
           <a:prstGeom prst="line">
             <a:avLst/>
@@ -6004,6 +5607,145 @@
           </a:fontRef>
         </p:style>
       </p:cxnSp>
+      <p:sp>
+        <p:nvSpPr>
+          <p:cNvPr id="48" name="Rettangolo 47">
+            <a:extLst>
+              <a:ext uri="{FF2B5EF4-FFF2-40B4-BE49-F238E27FC236}">
+                <a16:creationId xmlns:a16="http://schemas.microsoft.com/office/drawing/2014/main" id="{667D94FD-5B83-4332-9FD3-6E4195634804}"/>
+              </a:ext>
+            </a:extLst>
+          </p:cNvPr>
+          <p:cNvSpPr/>
+          <p:nvPr/>
+        </p:nvSpPr>
+        <p:spPr>
+          <a:xfrm>
+            <a:off x="5186418" y="4709567"/>
+            <a:ext cx="1014635" cy="528260"/>
+          </a:xfrm>
+          <a:prstGeom prst="rect">
+            <a:avLst/>
+          </a:prstGeom>
+          <a:solidFill>
+            <a:schemeClr val="accent6">
+              <a:lumMod val="60000"/>
+              <a:lumOff val="40000"/>
+            </a:schemeClr>
+          </a:solidFill>
+          <a:ln>
+            <a:solidFill>
+              <a:schemeClr val="tx1"/>
+            </a:solidFill>
+          </a:ln>
+        </p:spPr>
+        <p:style>
+          <a:lnRef idx="2">
+            <a:schemeClr val="accent1">
+              <a:shade val="50000"/>
+            </a:schemeClr>
+          </a:lnRef>
+          <a:fillRef idx="1">
+            <a:schemeClr val="accent1"/>
+          </a:fillRef>
+          <a:effectRef idx="0">
+            <a:schemeClr val="accent1"/>
+          </a:effectRef>
+          <a:fontRef idx="minor">
+            <a:schemeClr val="lt1"/>
+          </a:fontRef>
+        </p:style>
+        <p:txBody>
+          <a:bodyPr rtlCol="0" anchor="ctr"/>
+          <a:lstStyle/>
+          <a:p>
+            <a:pPr algn="ctr"/>
+            <a:r>
+              <a:rPr lang="it-IT" dirty="0">
+                <a:solidFill>
+                  <a:schemeClr val="tx1"/>
+                </a:solidFill>
+              </a:rPr>
+              <a:t>Cancella </a:t>
+            </a:r>
+          </a:p>
+          <a:p>
+            <a:pPr algn="ctr"/>
+            <a:r>
+              <a:rPr lang="it-IT" dirty="0">
+                <a:solidFill>
+                  <a:schemeClr val="tx1"/>
+                </a:solidFill>
+              </a:rPr>
+              <a:t>post</a:t>
+            </a:r>
+          </a:p>
+        </p:txBody>
+      </p:sp>
+      <p:sp>
+        <p:nvSpPr>
+          <p:cNvPr id="43" name="Rettangolo 42">
+            <a:extLst>
+              <a:ext uri="{FF2B5EF4-FFF2-40B4-BE49-F238E27FC236}">
+                <a16:creationId xmlns:a16="http://schemas.microsoft.com/office/drawing/2014/main" id="{AF512273-507F-4A91-B11A-BED225F0431F}"/>
+              </a:ext>
+            </a:extLst>
+          </p:cNvPr>
+          <p:cNvSpPr/>
+          <p:nvPr/>
+        </p:nvSpPr>
+        <p:spPr>
+          <a:xfrm>
+            <a:off x="3968526" y="4703306"/>
+            <a:ext cx="946551" cy="528260"/>
+          </a:xfrm>
+          <a:prstGeom prst="rect">
+            <a:avLst/>
+          </a:prstGeom>
+          <a:solidFill>
+            <a:schemeClr val="accent6">
+              <a:lumMod val="60000"/>
+              <a:lumOff val="40000"/>
+            </a:schemeClr>
+          </a:solidFill>
+          <a:ln>
+            <a:solidFill>
+              <a:schemeClr val="tx1"/>
+            </a:solidFill>
+          </a:ln>
+        </p:spPr>
+        <p:style>
+          <a:lnRef idx="2">
+            <a:schemeClr val="accent1">
+              <a:shade val="50000"/>
+            </a:schemeClr>
+          </a:lnRef>
+          <a:fillRef idx="1">
+            <a:schemeClr val="accent1"/>
+          </a:fillRef>
+          <a:effectRef idx="0">
+            <a:schemeClr val="accent1"/>
+          </a:effectRef>
+          <a:fontRef idx="minor">
+            <a:schemeClr val="lt1"/>
+          </a:fontRef>
+        </p:style>
+        <p:txBody>
+          <a:bodyPr rtlCol="0" anchor="ctr"/>
+          <a:lstStyle/>
+          <a:p>
+            <a:pPr algn="ctr"/>
+            <a:r>
+              <a:rPr lang="it-IT" dirty="0">
+                <a:solidFill>
+                  <a:schemeClr val="tx1"/>
+                </a:solidFill>
+              </a:rPr>
+              <a:t>Crea Post</a:t>
+            </a:r>
+          </a:p>
+        </p:txBody>
+      </p:sp>
     </p:spTree>
     <p:extLst>
       <p:ext uri="{BB962C8B-B14F-4D97-AF65-F5344CB8AC3E}">

--- a/flusso_prova.pptx
+++ b/flusso_prova.pptx
@@ -3342,8 +3342,8 @@
         </p:nvCxnSpPr>
         <p:spPr>
           <a:xfrm>
-            <a:off x="6798084" y="3836612"/>
-            <a:ext cx="25514" cy="2496700"/>
+            <a:off x="6800038" y="4227643"/>
+            <a:ext cx="18053" cy="1641496"/>
           </a:xfrm>
           <a:prstGeom prst="line">
             <a:avLst/>
@@ -3385,8 +3385,8 @@
         </p:nvCxnSpPr>
         <p:spPr>
           <a:xfrm>
-            <a:off x="7992682" y="3826262"/>
-            <a:ext cx="22631" cy="2507050"/>
+            <a:off x="7991753" y="4227643"/>
+            <a:ext cx="14215" cy="1641496"/>
           </a:xfrm>
           <a:prstGeom prst="line">
             <a:avLst/>
@@ -3428,8 +3428,8 @@
         </p:nvCxnSpPr>
         <p:spPr>
           <a:xfrm>
-            <a:off x="9237078" y="3843628"/>
-            <a:ext cx="22483" cy="2489684"/>
+            <a:off x="9245346" y="4227643"/>
+            <a:ext cx="14214" cy="1641496"/>
           </a:xfrm>
           <a:prstGeom prst="line">
             <a:avLst/>
@@ -3471,8 +3471,8 @@
         </p:nvCxnSpPr>
         <p:spPr>
           <a:xfrm>
-            <a:off x="10377259" y="3800417"/>
-            <a:ext cx="0" cy="2532895"/>
+            <a:off x="10377259" y="4227643"/>
+            <a:ext cx="0" cy="1641496"/>
           </a:xfrm>
           <a:prstGeom prst="line">
             <a:avLst/>
@@ -3512,7 +3512,7 @@
         </p:nvSpPr>
         <p:spPr>
           <a:xfrm>
-            <a:off x="4785064" y="71022"/>
+            <a:off x="4811698" y="71022"/>
             <a:ext cx="1642369" cy="772357"/>
           </a:xfrm>
           <a:prstGeom prst="ellipse">
@@ -3569,14 +3569,15 @@
             </a:extLst>
           </p:cNvPr>
           <p:cNvCxnSpPr>
+            <a:cxnSpLocks/>
             <a:stCxn id="3" idx="4"/>
           </p:cNvCxnSpPr>
           <p:nvPr/>
         </p:nvCxnSpPr>
         <p:spPr>
           <a:xfrm>
-            <a:off x="5606249" y="843379"/>
-            <a:ext cx="13316" cy="559293"/>
+            <a:off x="5632883" y="843379"/>
+            <a:ext cx="6662" cy="279815"/>
           </a:xfrm>
           <a:prstGeom prst="straightConnector1">
             <a:avLst/>
@@ -3603,67 +3604,6 @@
           </a:fontRef>
         </p:style>
       </p:cxnSp>
-      <p:sp>
-        <p:nvSpPr>
-          <p:cNvPr id="6" name="Rettangolo 5">
-            <a:extLst>
-              <a:ext uri="{FF2B5EF4-FFF2-40B4-BE49-F238E27FC236}">
-                <a16:creationId xmlns:a16="http://schemas.microsoft.com/office/drawing/2014/main" id="{D4797DC0-BA32-4A16-B174-1A558FD65000}"/>
-              </a:ext>
-            </a:extLst>
-          </p:cNvPr>
-          <p:cNvSpPr/>
-          <p:nvPr/>
-        </p:nvSpPr>
-        <p:spPr>
-          <a:xfrm>
-            <a:off x="4836111" y="1420427"/>
-            <a:ext cx="1553592" cy="417251"/>
-          </a:xfrm>
-          <a:prstGeom prst="rect">
-            <a:avLst/>
-          </a:prstGeom>
-          <a:solidFill>
-            <a:schemeClr val="accent2"/>
-          </a:solidFill>
-          <a:ln>
-            <a:solidFill>
-              <a:schemeClr val="tx1"/>
-            </a:solidFill>
-          </a:ln>
-        </p:spPr>
-        <p:style>
-          <a:lnRef idx="2">
-            <a:schemeClr val="accent1">
-              <a:shade val="50000"/>
-            </a:schemeClr>
-          </a:lnRef>
-          <a:fillRef idx="1">
-            <a:schemeClr val="accent1"/>
-          </a:fillRef>
-          <a:effectRef idx="0">
-            <a:schemeClr val="accent1"/>
-          </a:effectRef>
-          <a:fontRef idx="minor">
-            <a:schemeClr val="lt1"/>
-          </a:fontRef>
-        </p:style>
-        <p:txBody>
-          <a:bodyPr rtlCol="0" anchor="ctr"/>
-          <a:lstStyle/>
-          <a:p>
-            <a:pPr algn="ctr"/>
-            <a:r>
-              <a:rPr lang="it-IT" dirty="0">
-                <a:solidFill>
-                  <a:schemeClr val="tx1"/>
-                </a:solidFill>
-              </a:rPr>
-              <a:t>Menù 1</a:t>
-            </a:r>
-          </a:p>
-        </p:txBody>
-      </p:sp>
       <p:cxnSp>
         <p:nvCxnSpPr>
           <p:cNvPr id="8" name="Connettore diritto 7">
@@ -3675,14 +3615,13 @@
           </p:cNvPr>
           <p:cNvCxnSpPr>
             <a:cxnSpLocks/>
-            <a:stCxn id="6" idx="2"/>
           </p:cNvCxnSpPr>
           <p:nvPr/>
         </p:nvCxnSpPr>
         <p:spPr>
           <a:xfrm>
-            <a:off x="5612907" y="1837678"/>
-            <a:ext cx="0" cy="497142"/>
+            <a:off x="5648419" y="1997476"/>
+            <a:ext cx="0" cy="337344"/>
           </a:xfrm>
           <a:prstGeom prst="line">
             <a:avLst/>
@@ -3918,7 +3857,7 @@
         </p:nvCxnSpPr>
         <p:spPr>
           <a:xfrm>
-            <a:off x="5619565" y="2321497"/>
+            <a:off x="5646199" y="2321497"/>
             <a:ext cx="6658" cy="279647"/>
           </a:xfrm>
           <a:prstGeom prst="straightConnector1">
@@ -4130,7 +4069,7 @@
         </p:nvSpPr>
         <p:spPr>
           <a:xfrm>
-            <a:off x="4914164" y="2636660"/>
+            <a:off x="4905286" y="2601148"/>
             <a:ext cx="1553592" cy="417251"/>
           </a:xfrm>
           <a:prstGeom prst="rect">
@@ -4240,7 +4179,7 @@
         </p:nvCxnSpPr>
         <p:spPr>
           <a:xfrm>
-            <a:off x="5690960" y="3053911"/>
+            <a:off x="5682082" y="3018399"/>
             <a:ext cx="9251" cy="772351"/>
           </a:xfrm>
           <a:prstGeom prst="line">
@@ -4267,70 +4206,6 @@
           </a:fontRef>
         </p:style>
       </p:cxnSp>
-      <p:sp>
-        <p:nvSpPr>
-          <p:cNvPr id="4" name="Rombo 3">
-            <a:extLst>
-              <a:ext uri="{FF2B5EF4-FFF2-40B4-BE49-F238E27FC236}">
-                <a16:creationId xmlns:a16="http://schemas.microsoft.com/office/drawing/2014/main" id="{65C92BF1-63F2-456C-83AF-9D346F5A2B6B}"/>
-              </a:ext>
-            </a:extLst>
-          </p:cNvPr>
-          <p:cNvSpPr/>
-          <p:nvPr/>
-        </p:nvSpPr>
-        <p:spPr>
-          <a:xfrm>
-            <a:off x="589262" y="3923922"/>
-            <a:ext cx="1590579" cy="1437074"/>
-          </a:xfrm>
-          <a:prstGeom prst="diamond">
-            <a:avLst/>
-          </a:prstGeom>
-          <a:solidFill>
-            <a:schemeClr val="accent4">
-              <a:lumMod val="40000"/>
-              <a:lumOff val="60000"/>
-            </a:schemeClr>
-          </a:solidFill>
-          <a:ln w="12700">
-            <a:solidFill>
-              <a:schemeClr val="tx1"/>
-            </a:solidFill>
-          </a:ln>
-        </p:spPr>
-        <p:style>
-          <a:lnRef idx="2">
-            <a:schemeClr val="accent1">
-              <a:shade val="50000"/>
-            </a:schemeClr>
-          </a:lnRef>
-          <a:fillRef idx="1">
-            <a:schemeClr val="accent1"/>
-          </a:fillRef>
-          <a:effectRef idx="0">
-            <a:schemeClr val="accent1"/>
-          </a:effectRef>
-          <a:fontRef idx="minor">
-            <a:schemeClr val="lt1"/>
-          </a:fontRef>
-        </p:style>
-        <p:txBody>
-          <a:bodyPr rtlCol="0" anchor="ctr"/>
-          <a:lstStyle/>
-          <a:p>
-            <a:pPr algn="ctr"/>
-            <a:r>
-              <a:rPr lang="it-IT" sz="1400" dirty="0">
-                <a:solidFill>
-                  <a:schemeClr val="tx1"/>
-                </a:solidFill>
-              </a:rPr>
-              <a:t>Inserisci credenziali</a:t>
-            </a:r>
-          </a:p>
-        </p:txBody>
-      </p:sp>
       <p:cxnSp>
         <p:nvCxnSpPr>
           <p:cNvPr id="12" name="Connettore diritto 11">
@@ -4342,14 +4217,14 @@
           </p:cNvPr>
           <p:cNvCxnSpPr>
             <a:cxnSpLocks/>
-            <a:stCxn id="4" idx="1"/>
+            <a:stCxn id="65" idx="1"/>
           </p:cNvCxnSpPr>
           <p:nvPr/>
         </p:nvCxnSpPr>
         <p:spPr>
-          <a:xfrm flipH="1" flipV="1">
-            <a:off x="355107" y="4638303"/>
-            <a:ext cx="234155" cy="4156"/>
+          <a:xfrm flipH="1">
+            <a:off x="355107" y="4391805"/>
+            <a:ext cx="387656" cy="0"/>
           </a:xfrm>
           <a:prstGeom prst="line">
             <a:avLst/>
@@ -4390,9 +4265,9 @@
           <p:nvPr/>
         </p:nvCxnSpPr>
         <p:spPr>
-          <a:xfrm>
-            <a:off x="356587" y="1484966"/>
-            <a:ext cx="0" cy="3157493"/>
+          <a:xfrm flipH="1">
+            <a:off x="355107" y="1484966"/>
+            <a:ext cx="1480" cy="2906839"/>
           </a:xfrm>
           <a:prstGeom prst="line">
             <a:avLst/>
@@ -4434,7 +4309,7 @@
         </p:nvCxnSpPr>
         <p:spPr>
           <a:xfrm flipH="1">
-            <a:off x="2849733" y="3801505"/>
+            <a:off x="2849733" y="4227643"/>
             <a:ext cx="7527526" cy="35107"/>
           </a:xfrm>
           <a:prstGeom prst="line">
@@ -4505,70 +4380,6 @@
           </a:fontRef>
         </p:style>
       </p:cxnSp>
-      <p:sp>
-        <p:nvSpPr>
-          <p:cNvPr id="38" name="Rettangolo 37">
-            <a:extLst>
-              <a:ext uri="{FF2B5EF4-FFF2-40B4-BE49-F238E27FC236}">
-                <a16:creationId xmlns:a16="http://schemas.microsoft.com/office/drawing/2014/main" id="{86A60B7A-9A96-4B64-84F8-AAB354CED3F0}"/>
-              </a:ext>
-            </a:extLst>
-          </p:cNvPr>
-          <p:cNvSpPr/>
-          <p:nvPr/>
-        </p:nvSpPr>
-        <p:spPr>
-          <a:xfrm>
-            <a:off x="4914164" y="3234785"/>
-            <a:ext cx="1553592" cy="417251"/>
-          </a:xfrm>
-          <a:prstGeom prst="rect">
-            <a:avLst/>
-          </a:prstGeom>
-          <a:solidFill>
-            <a:schemeClr val="accent4">
-              <a:lumMod val="40000"/>
-              <a:lumOff val="60000"/>
-            </a:schemeClr>
-          </a:solidFill>
-          <a:ln>
-            <a:solidFill>
-              <a:schemeClr val="tx1"/>
-            </a:solidFill>
-          </a:ln>
-        </p:spPr>
-        <p:style>
-          <a:lnRef idx="2">
-            <a:schemeClr val="accent1">
-              <a:shade val="50000"/>
-            </a:schemeClr>
-          </a:lnRef>
-          <a:fillRef idx="1">
-            <a:schemeClr val="accent1"/>
-          </a:fillRef>
-          <a:effectRef idx="0">
-            <a:schemeClr val="accent1"/>
-          </a:effectRef>
-          <a:fontRef idx="minor">
-            <a:schemeClr val="lt1"/>
-          </a:fontRef>
-        </p:style>
-        <p:txBody>
-          <a:bodyPr rtlCol="0" anchor="ctr"/>
-          <a:lstStyle/>
-          <a:p>
-            <a:pPr algn="ctr"/>
-            <a:r>
-              <a:rPr lang="it-IT" dirty="0">
-                <a:solidFill>
-                  <a:schemeClr val="tx1"/>
-                </a:solidFill>
-              </a:rPr>
-              <a:t>Menù 2</a:t>
-            </a:r>
-          </a:p>
-        </p:txBody>
-      </p:sp>
       <p:sp>
         <p:nvSpPr>
           <p:cNvPr id="46" name="Rettangolo 45">
@@ -4871,10 +4682,10 @@
       </p:sp>
       <p:cxnSp>
         <p:nvCxnSpPr>
-          <p:cNvPr id="40" name="Connettore diritto 39">
-            <a:extLst>
-              <a:ext uri="{FF2B5EF4-FFF2-40B4-BE49-F238E27FC236}">
-                <a16:creationId xmlns:a16="http://schemas.microsoft.com/office/drawing/2014/main" id="{C9F71315-E3BA-4FCE-8944-0470015F3355}"/>
+          <p:cNvPr id="41" name="Connettore diritto 40">
+            <a:extLst>
+              <a:ext uri="{FF2B5EF4-FFF2-40B4-BE49-F238E27FC236}">
+                <a16:creationId xmlns:a16="http://schemas.microsoft.com/office/drawing/2014/main" id="{F546D00B-7A70-4B58-BFFF-A42C64A24788}"/>
               </a:ext>
             </a:extLst>
           </p:cNvPr>
@@ -4885,51 +4696,8 @@
         </p:nvCxnSpPr>
         <p:spPr>
           <a:xfrm>
-            <a:off x="4444563" y="3800417"/>
-            <a:ext cx="0" cy="1228021"/>
-          </a:xfrm>
-          <a:prstGeom prst="line">
-            <a:avLst/>
-          </a:prstGeom>
-          <a:ln w="28575">
-            <a:solidFill>
-              <a:schemeClr val="tx1"/>
-            </a:solidFill>
-          </a:ln>
-        </p:spPr>
-        <p:style>
-          <a:lnRef idx="1">
-            <a:schemeClr val="accent1"/>
-          </a:lnRef>
-          <a:fillRef idx="0">
-            <a:schemeClr val="accent1"/>
-          </a:fillRef>
-          <a:effectRef idx="0">
-            <a:schemeClr val="accent1"/>
-          </a:effectRef>
-          <a:fontRef idx="minor">
-            <a:schemeClr val="tx1"/>
-          </a:fontRef>
-        </p:style>
-      </p:cxnSp>
-      <p:cxnSp>
-        <p:nvCxnSpPr>
-          <p:cNvPr id="41" name="Connettore diritto 40">
-            <a:extLst>
-              <a:ext uri="{FF2B5EF4-FFF2-40B4-BE49-F238E27FC236}">
-                <a16:creationId xmlns:a16="http://schemas.microsoft.com/office/drawing/2014/main" id="{F546D00B-7A70-4B58-BFFF-A42C64A24788}"/>
-              </a:ext>
-            </a:extLst>
-          </p:cNvPr>
-          <p:cNvCxnSpPr>
-            <a:cxnSpLocks/>
-          </p:cNvCxnSpPr>
-          <p:nvPr/>
-        </p:nvCxnSpPr>
-        <p:spPr>
-          <a:xfrm>
-            <a:off x="2849732" y="3843628"/>
-            <a:ext cx="31380" cy="2478278"/>
+            <a:off x="2857388" y="4262750"/>
+            <a:ext cx="14215" cy="1606389"/>
           </a:xfrm>
           <a:prstGeom prst="line">
             <a:avLst/>
@@ -5046,8 +4814,8 @@
         </p:nvCxnSpPr>
         <p:spPr>
           <a:xfrm>
-            <a:off x="4434725" y="3843628"/>
-            <a:ext cx="3367" cy="2468011"/>
+            <a:off x="4420947" y="4262750"/>
+            <a:ext cx="0" cy="1606389"/>
           </a:xfrm>
           <a:prstGeom prst="line">
             <a:avLst/>
@@ -5132,7 +4900,7 @@
         </p:nvCxnSpPr>
         <p:spPr>
           <a:xfrm flipH="1">
-            <a:off x="2821261" y="6311639"/>
+            <a:off x="2821261" y="5858872"/>
             <a:ext cx="7555998" cy="10267"/>
           </a:xfrm>
           <a:prstGeom prst="line">
@@ -5742,6 +5510,206 @@
                 </a:solidFill>
               </a:rPr>
               <a:t>Crea Post</a:t>
+            </a:r>
+          </a:p>
+        </p:txBody>
+      </p:sp>
+      <p:sp>
+        <p:nvSpPr>
+          <p:cNvPr id="10" name="Rombo 9">
+            <a:extLst>
+              <a:ext uri="{FF2B5EF4-FFF2-40B4-BE49-F238E27FC236}">
+                <a16:creationId xmlns:a16="http://schemas.microsoft.com/office/drawing/2014/main" id="{8E253892-65B0-4F6C-908E-35C5D5791020}"/>
+              </a:ext>
+            </a:extLst>
+          </p:cNvPr>
+          <p:cNvSpPr/>
+          <p:nvPr/>
+        </p:nvSpPr>
+        <p:spPr>
+          <a:xfrm>
+            <a:off x="4811698" y="1147433"/>
+            <a:ext cx="1642369" cy="939922"/>
+          </a:xfrm>
+          <a:prstGeom prst="diamond">
+            <a:avLst/>
+          </a:prstGeom>
+          <a:solidFill>
+            <a:schemeClr val="accent2"/>
+          </a:solidFill>
+          <a:ln>
+            <a:solidFill>
+              <a:schemeClr val="tx1"/>
+            </a:solidFill>
+          </a:ln>
+        </p:spPr>
+        <p:style>
+          <a:lnRef idx="2">
+            <a:schemeClr val="accent1">
+              <a:shade val="50000"/>
+            </a:schemeClr>
+          </a:lnRef>
+          <a:fillRef idx="1">
+            <a:schemeClr val="accent1"/>
+          </a:fillRef>
+          <a:effectRef idx="0">
+            <a:schemeClr val="accent1"/>
+          </a:effectRef>
+          <a:fontRef idx="minor">
+            <a:schemeClr val="lt1"/>
+          </a:fontRef>
+        </p:style>
+        <p:txBody>
+          <a:bodyPr rtlCol="0" anchor="ctr"/>
+          <a:lstStyle/>
+          <a:p>
+            <a:pPr algn="ctr"/>
+            <a:r>
+              <a:rPr lang="it-IT" dirty="0">
+                <a:solidFill>
+                  <a:schemeClr val="tx1"/>
+                </a:solidFill>
+              </a:rPr>
+              <a:t>Menù 1</a:t>
+            </a:r>
+          </a:p>
+        </p:txBody>
+      </p:sp>
+      <p:sp>
+        <p:nvSpPr>
+          <p:cNvPr id="59" name="Rombo 58">
+            <a:extLst>
+              <a:ext uri="{FF2B5EF4-FFF2-40B4-BE49-F238E27FC236}">
+                <a16:creationId xmlns:a16="http://schemas.microsoft.com/office/drawing/2014/main" id="{4D9EAC97-3575-4442-81A8-60EEADD8745D}"/>
+              </a:ext>
+            </a:extLst>
+          </p:cNvPr>
+          <p:cNvSpPr/>
+          <p:nvPr/>
+        </p:nvSpPr>
+        <p:spPr>
+          <a:xfrm>
+            <a:off x="4876596" y="3122377"/>
+            <a:ext cx="1642369" cy="939922"/>
+          </a:xfrm>
+          <a:prstGeom prst="diamond">
+            <a:avLst/>
+          </a:prstGeom>
+          <a:solidFill>
+            <a:schemeClr val="accent4">
+              <a:lumMod val="40000"/>
+              <a:lumOff val="60000"/>
+            </a:schemeClr>
+          </a:solidFill>
+          <a:ln>
+            <a:solidFill>
+              <a:schemeClr val="tx1"/>
+            </a:solidFill>
+          </a:ln>
+        </p:spPr>
+        <p:style>
+          <a:lnRef idx="2">
+            <a:schemeClr val="accent1">
+              <a:shade val="50000"/>
+            </a:schemeClr>
+          </a:lnRef>
+          <a:fillRef idx="1">
+            <a:schemeClr val="accent1"/>
+          </a:fillRef>
+          <a:effectRef idx="0">
+            <a:schemeClr val="accent1"/>
+          </a:effectRef>
+          <a:fontRef idx="minor">
+            <a:schemeClr val="lt1"/>
+          </a:fontRef>
+        </p:style>
+        <p:txBody>
+          <a:bodyPr rtlCol="0" anchor="ctr"/>
+          <a:lstStyle/>
+          <a:p>
+            <a:pPr algn="ctr"/>
+            <a:r>
+              <a:rPr lang="it-IT" dirty="0">
+                <a:solidFill>
+                  <a:schemeClr val="tx1"/>
+                </a:solidFill>
+              </a:rPr>
+              <a:t>Menù 2</a:t>
+            </a:r>
+          </a:p>
+        </p:txBody>
+      </p:sp>
+      <p:sp>
+        <p:nvSpPr>
+          <p:cNvPr id="65" name="Rettangolo 64">
+            <a:extLst>
+              <a:ext uri="{FF2B5EF4-FFF2-40B4-BE49-F238E27FC236}">
+                <a16:creationId xmlns:a16="http://schemas.microsoft.com/office/drawing/2014/main" id="{8C145DAB-596F-4214-B430-851C6040D7DC}"/>
+              </a:ext>
+            </a:extLst>
+          </p:cNvPr>
+          <p:cNvSpPr/>
+          <p:nvPr/>
+        </p:nvSpPr>
+        <p:spPr>
+          <a:xfrm>
+            <a:off x="742763" y="3923922"/>
+            <a:ext cx="1358642" cy="935766"/>
+          </a:xfrm>
+          <a:prstGeom prst="rect">
+            <a:avLst/>
+          </a:prstGeom>
+          <a:solidFill>
+            <a:schemeClr val="accent4">
+              <a:lumMod val="40000"/>
+              <a:lumOff val="60000"/>
+            </a:schemeClr>
+          </a:solidFill>
+          <a:ln>
+            <a:solidFill>
+              <a:schemeClr val="tx1"/>
+            </a:solidFill>
+          </a:ln>
+        </p:spPr>
+        <p:style>
+          <a:lnRef idx="2">
+            <a:schemeClr val="accent1">
+              <a:shade val="50000"/>
+            </a:schemeClr>
+          </a:lnRef>
+          <a:fillRef idx="1">
+            <a:schemeClr val="accent1"/>
+          </a:fillRef>
+          <a:effectRef idx="0">
+            <a:schemeClr val="accent1"/>
+          </a:effectRef>
+          <a:fontRef idx="minor">
+            <a:schemeClr val="lt1"/>
+          </a:fontRef>
+        </p:style>
+        <p:txBody>
+          <a:bodyPr rtlCol="0" anchor="ctr"/>
+          <a:lstStyle/>
+          <a:p>
+            <a:pPr algn="ctr"/>
+            <a:r>
+              <a:rPr lang="it-IT" dirty="0">
+                <a:solidFill>
+                  <a:schemeClr val="tx1"/>
+                </a:solidFill>
+              </a:rPr>
+              <a:t>Inserisci</a:t>
+            </a:r>
+          </a:p>
+          <a:p>
+            <a:pPr algn="ctr"/>
+            <a:r>
+              <a:rPr lang="it-IT" dirty="0">
+                <a:solidFill>
+                  <a:schemeClr val="tx1"/>
+                </a:solidFill>
+              </a:rPr>
+              <a:t>credenziali e dati</a:t>
             </a:r>
           </a:p>
         </p:txBody>
